--- a/pdfs/Experimental_Design.pptx
+++ b/pdfs/Experimental_Design.pptx
@@ -5,7 +5,7 @@
     <p:sldMasterId id="2147483660" r:id="rId1"/>
   </p:sldMasterIdLst>
   <p:notesMasterIdLst>
-    <p:notesMasterId r:id="rId24"/>
+    <p:notesMasterId r:id="rId28"/>
   </p:notesMasterIdLst>
   <p:sldIdLst>
     <p:sldId id="256" r:id="rId2"/>
@@ -30,6 +30,10 @@
     <p:sldId id="280" r:id="rId21"/>
     <p:sldId id="281" r:id="rId22"/>
     <p:sldId id="278" r:id="rId23"/>
+    <p:sldId id="404" r:id="rId24"/>
+    <p:sldId id="403" r:id="rId25"/>
+    <p:sldId id="396" r:id="rId26"/>
+    <p:sldId id="380" r:id="rId27"/>
   </p:sldIdLst>
   <p:sldSz cx="12192000" cy="6858000"/>
   <p:notesSz cx="6858000" cy="9144000"/>
@@ -218,7 +222,7 @@
           <a:p>
             <a:fld id="{46A65CE1-1D5E-6249-AC35-67175FD93CA1}" type="datetimeFigureOut">
               <a:rPr lang="en-US" smtClean="0"/>
-              <a:t>4/20/19</a:t>
+              <a:t>4/23/19</a:t>
             </a:fld>
             <a:endParaRPr lang="en-US"/>
           </a:p>
@@ -720,7 +724,7 @@
           <a:p>
             <a:fld id="{A4343F53-308D-464D-90D8-935A830EAD18}" type="datetimeFigureOut">
               <a:rPr lang="en-US" smtClean="0"/>
-              <a:t>4/20/19</a:t>
+              <a:t>4/23/19</a:t>
             </a:fld>
             <a:endParaRPr lang="en-US"/>
           </a:p>
@@ -884,7 +888,7 @@
           <a:p>
             <a:fld id="{A4343F53-308D-464D-90D8-935A830EAD18}" type="datetimeFigureOut">
               <a:rPr lang="en-US" smtClean="0"/>
-              <a:t>4/20/19</a:t>
+              <a:t>4/23/19</a:t>
             </a:fld>
             <a:endParaRPr lang="en-US"/>
           </a:p>
@@ -1058,7 +1062,7 @@
           <a:p>
             <a:fld id="{A4343F53-308D-464D-90D8-935A830EAD18}" type="datetimeFigureOut">
               <a:rPr lang="en-US" smtClean="0"/>
-              <a:t>4/20/19</a:t>
+              <a:t>4/23/19</a:t>
             </a:fld>
             <a:endParaRPr lang="en-US"/>
           </a:p>
@@ -1629,7 +1633,7 @@
           <a:p>
             <a:fld id="{A4343F53-308D-464D-90D8-935A830EAD18}" type="datetimeFigureOut">
               <a:rPr lang="en-US" smtClean="0"/>
-              <a:t>4/20/19</a:t>
+              <a:t>4/23/19</a:t>
             </a:fld>
             <a:endParaRPr lang="en-US"/>
           </a:p>
@@ -1870,7 +1874,7 @@
           <a:p>
             <a:fld id="{A4343F53-308D-464D-90D8-935A830EAD18}" type="datetimeFigureOut">
               <a:rPr lang="en-US" smtClean="0"/>
-              <a:t>4/20/19</a:t>
+              <a:t>4/23/19</a:t>
             </a:fld>
             <a:endParaRPr lang="en-US"/>
           </a:p>
@@ -2095,7 +2099,7 @@
           <a:p>
             <a:fld id="{A4343F53-308D-464D-90D8-935A830EAD18}" type="datetimeFigureOut">
               <a:rPr lang="en-US" smtClean="0"/>
-              <a:t>4/20/19</a:t>
+              <a:t>4/23/19</a:t>
             </a:fld>
             <a:endParaRPr lang="en-US"/>
           </a:p>
@@ -2455,7 +2459,7 @@
           <a:p>
             <a:fld id="{A4343F53-308D-464D-90D8-935A830EAD18}" type="datetimeFigureOut">
               <a:rPr lang="en-US" smtClean="0"/>
-              <a:t>4/20/19</a:t>
+              <a:t>4/23/19</a:t>
             </a:fld>
             <a:endParaRPr lang="en-US"/>
           </a:p>
@@ -2568,7 +2572,7 @@
           <a:p>
             <a:fld id="{A4343F53-308D-464D-90D8-935A830EAD18}" type="datetimeFigureOut">
               <a:rPr lang="en-US" smtClean="0"/>
-              <a:t>4/20/19</a:t>
+              <a:t>4/23/19</a:t>
             </a:fld>
             <a:endParaRPr lang="en-US"/>
           </a:p>
@@ -2659,7 +2663,7 @@
           <a:p>
             <a:fld id="{A4343F53-308D-464D-90D8-935A830EAD18}" type="datetimeFigureOut">
               <a:rPr lang="en-US" smtClean="0"/>
-              <a:t>4/20/19</a:t>
+              <a:t>4/23/19</a:t>
             </a:fld>
             <a:endParaRPr lang="en-US"/>
           </a:p>
@@ -2930,7 +2934,7 @@
           <a:p>
             <a:fld id="{A4343F53-308D-464D-90D8-935A830EAD18}" type="datetimeFigureOut">
               <a:rPr lang="en-US" smtClean="0"/>
-              <a:t>4/20/19</a:t>
+              <a:t>4/23/19</a:t>
             </a:fld>
             <a:endParaRPr lang="en-US"/>
           </a:p>
@@ -3181,7 +3185,7 @@
           <a:p>
             <a:fld id="{A4343F53-308D-464D-90D8-935A830EAD18}" type="datetimeFigureOut">
               <a:rPr lang="en-US" smtClean="0"/>
-              <a:t>4/20/19</a:t>
+              <a:t>4/23/19</a:t>
             </a:fld>
             <a:endParaRPr lang="en-US"/>
           </a:p>
@@ -3389,7 +3393,7 @@
           <a:p>
             <a:fld id="{A4343F53-308D-464D-90D8-935A830EAD18}" type="datetimeFigureOut">
               <a:rPr lang="en-US" smtClean="0"/>
-              <a:t>4/20/19</a:t>
+              <a:t>4/23/19</a:t>
             </a:fld>
             <a:endParaRPr lang="en-US"/>
           </a:p>
@@ -7774,6 +7778,3043 @@
     <p:extLst>
       <p:ext uri="{BB962C8B-B14F-4D97-AF65-F5344CB8AC3E}">
         <p14:creationId xmlns:p14="http://schemas.microsoft.com/office/powerpoint/2010/main" val="144477064"/>
+      </p:ext>
+    </p:extLst>
+  </p:cSld>
+  <p:clrMapOvr>
+    <a:masterClrMapping/>
+  </p:clrMapOvr>
+</p:sld>
+</file>
+
+<file path=ppt/slides/slide23.xml><?xml version="1.0" encoding="utf-8"?>
+<p:sld xmlns:a="http://schemas.openxmlformats.org/drawingml/2006/main" xmlns:r="http://schemas.openxmlformats.org/officeDocument/2006/relationships" xmlns:p="http://schemas.openxmlformats.org/presentationml/2006/main">
+  <p:cSld>
+    <p:spTree>
+      <p:nvGrpSpPr>
+        <p:cNvPr id="1" name=""/>
+        <p:cNvGrpSpPr/>
+        <p:nvPr/>
+      </p:nvGrpSpPr>
+      <p:grpSpPr>
+        <a:xfrm>
+          <a:off x="0" y="0"/>
+          <a:ext cx="0" cy="0"/>
+          <a:chOff x="0" y="0"/>
+          <a:chExt cx="0" cy="0"/>
+        </a:xfrm>
+      </p:grpSpPr>
+      <p:sp>
+        <p:nvSpPr>
+          <p:cNvPr id="3" name="Rounded Rectangle 2"/>
+          <p:cNvSpPr/>
+          <p:nvPr/>
+        </p:nvSpPr>
+        <p:spPr>
+          <a:xfrm>
+            <a:off x="3252355" y="5316096"/>
+            <a:ext cx="1311948" cy="45720"/>
+          </a:xfrm>
+          <a:prstGeom prst="roundRect">
+            <a:avLst>
+              <a:gd name="adj" fmla="val 50000"/>
+            </a:avLst>
+          </a:prstGeom>
+          <a:ln>
+            <a:noFill/>
+          </a:ln>
+          <a:effectLst/>
+        </p:spPr>
+        <p:style>
+          <a:lnRef idx="2">
+            <a:schemeClr val="accent2">
+              <a:shade val="50000"/>
+            </a:schemeClr>
+          </a:lnRef>
+          <a:fillRef idx="1">
+            <a:schemeClr val="accent2"/>
+          </a:fillRef>
+          <a:effectRef idx="0">
+            <a:schemeClr val="accent2"/>
+          </a:effectRef>
+          <a:fontRef idx="minor">
+            <a:schemeClr val="lt1"/>
+          </a:fontRef>
+        </p:style>
+        <p:txBody>
+          <a:bodyPr lIns="121893" tIns="60947" rIns="121893" bIns="60947" rtlCol="0" anchor="ctr"/>
+          <a:lstStyle/>
+          <a:p>
+            <a:pPr algn="ctr"/>
+            <a:endParaRPr lang="en-US" sz="2400"/>
+          </a:p>
+        </p:txBody>
+      </p:sp>
+      <p:sp>
+        <p:nvSpPr>
+          <p:cNvPr id="21" name="Rounded Rectangle 20"/>
+          <p:cNvSpPr/>
+          <p:nvPr/>
+        </p:nvSpPr>
+        <p:spPr>
+          <a:xfrm>
+            <a:off x="5937757" y="5228508"/>
+            <a:ext cx="609600" cy="45720"/>
+          </a:xfrm>
+          <a:prstGeom prst="roundRect">
+            <a:avLst>
+              <a:gd name="adj" fmla="val 50000"/>
+            </a:avLst>
+          </a:prstGeom>
+          <a:solidFill>
+            <a:srgbClr val="008E00"/>
+          </a:solidFill>
+          <a:ln>
+            <a:noFill/>
+          </a:ln>
+        </p:spPr>
+        <p:style>
+          <a:lnRef idx="2">
+            <a:schemeClr val="accent4">
+              <a:shade val="50000"/>
+            </a:schemeClr>
+          </a:lnRef>
+          <a:fillRef idx="1">
+            <a:schemeClr val="accent4"/>
+          </a:fillRef>
+          <a:effectRef idx="0">
+            <a:schemeClr val="accent4"/>
+          </a:effectRef>
+          <a:fontRef idx="minor">
+            <a:schemeClr val="lt1"/>
+          </a:fontRef>
+        </p:style>
+        <p:txBody>
+          <a:bodyPr lIns="121893" tIns="60947" rIns="121893" bIns="60947" rtlCol="0" anchor="ctr"/>
+          <a:lstStyle/>
+          <a:p>
+            <a:pPr algn="ctr"/>
+            <a:endParaRPr lang="en-US" sz="2400"/>
+          </a:p>
+        </p:txBody>
+      </p:sp>
+      <p:sp>
+        <p:nvSpPr>
+          <p:cNvPr id="22" name="Rounded Rectangle 21"/>
+          <p:cNvSpPr/>
+          <p:nvPr/>
+        </p:nvSpPr>
+        <p:spPr>
+          <a:xfrm>
+            <a:off x="8086039" y="5402804"/>
+            <a:ext cx="1042204" cy="45720"/>
+          </a:xfrm>
+          <a:prstGeom prst="roundRect">
+            <a:avLst>
+              <a:gd name="adj" fmla="val 50000"/>
+            </a:avLst>
+          </a:prstGeom>
+          <a:solidFill>
+            <a:srgbClr val="4883FF"/>
+          </a:solidFill>
+          <a:ln>
+            <a:noFill/>
+          </a:ln>
+        </p:spPr>
+        <p:style>
+          <a:lnRef idx="2">
+            <a:schemeClr val="accent4">
+              <a:shade val="50000"/>
+            </a:schemeClr>
+          </a:lnRef>
+          <a:fillRef idx="1">
+            <a:schemeClr val="accent4"/>
+          </a:fillRef>
+          <a:effectRef idx="0">
+            <a:schemeClr val="accent4"/>
+          </a:effectRef>
+          <a:fontRef idx="minor">
+            <a:schemeClr val="lt1"/>
+          </a:fontRef>
+        </p:style>
+        <p:txBody>
+          <a:bodyPr lIns="121893" tIns="60947" rIns="121893" bIns="60947" rtlCol="0" anchor="ctr"/>
+          <a:lstStyle/>
+          <a:p>
+            <a:pPr algn="ctr"/>
+            <a:endParaRPr lang="en-US" sz="2400"/>
+          </a:p>
+        </p:txBody>
+      </p:sp>
+      <p:sp>
+        <p:nvSpPr>
+          <p:cNvPr id="23" name="Rounded Rectangle 22"/>
+          <p:cNvSpPr/>
+          <p:nvPr/>
+        </p:nvSpPr>
+        <p:spPr>
+          <a:xfrm>
+            <a:off x="3455552" y="5446614"/>
+            <a:ext cx="763365" cy="45719"/>
+          </a:xfrm>
+          <a:prstGeom prst="roundRect">
+            <a:avLst>
+              <a:gd name="adj" fmla="val 50000"/>
+            </a:avLst>
+          </a:prstGeom>
+          <a:ln>
+            <a:noFill/>
+          </a:ln>
+          <a:effectLst/>
+        </p:spPr>
+        <p:style>
+          <a:lnRef idx="2">
+            <a:schemeClr val="accent2">
+              <a:shade val="50000"/>
+            </a:schemeClr>
+          </a:lnRef>
+          <a:fillRef idx="1">
+            <a:schemeClr val="accent2"/>
+          </a:fillRef>
+          <a:effectRef idx="0">
+            <a:schemeClr val="accent2"/>
+          </a:effectRef>
+          <a:fontRef idx="minor">
+            <a:schemeClr val="lt1"/>
+          </a:fontRef>
+        </p:style>
+        <p:txBody>
+          <a:bodyPr lIns="121893" tIns="60947" rIns="121893" bIns="60947" rtlCol="0" anchor="ctr"/>
+          <a:lstStyle/>
+          <a:p>
+            <a:pPr algn="ctr"/>
+            <a:endParaRPr lang="en-US" sz="2400"/>
+          </a:p>
+        </p:txBody>
+      </p:sp>
+      <p:sp>
+        <p:nvSpPr>
+          <p:cNvPr id="25" name="Rounded Rectangle 24"/>
+          <p:cNvSpPr/>
+          <p:nvPr/>
+        </p:nvSpPr>
+        <p:spPr>
+          <a:xfrm>
+            <a:off x="3658752" y="5599014"/>
+            <a:ext cx="406400" cy="45719"/>
+          </a:xfrm>
+          <a:prstGeom prst="roundRect">
+            <a:avLst>
+              <a:gd name="adj" fmla="val 50000"/>
+            </a:avLst>
+          </a:prstGeom>
+          <a:ln>
+            <a:noFill/>
+          </a:ln>
+          <a:effectLst/>
+        </p:spPr>
+        <p:style>
+          <a:lnRef idx="2">
+            <a:schemeClr val="accent2">
+              <a:shade val="50000"/>
+            </a:schemeClr>
+          </a:lnRef>
+          <a:fillRef idx="1">
+            <a:schemeClr val="accent2"/>
+          </a:fillRef>
+          <a:effectRef idx="0">
+            <a:schemeClr val="accent2"/>
+          </a:effectRef>
+          <a:fontRef idx="minor">
+            <a:schemeClr val="lt1"/>
+          </a:fontRef>
+        </p:style>
+        <p:txBody>
+          <a:bodyPr lIns="121893" tIns="60947" rIns="121893" bIns="60947" rtlCol="0" anchor="ctr"/>
+          <a:lstStyle/>
+          <a:p>
+            <a:pPr algn="ctr"/>
+            <a:endParaRPr lang="en-US" sz="2400"/>
+          </a:p>
+        </p:txBody>
+      </p:sp>
+      <p:sp>
+        <p:nvSpPr>
+          <p:cNvPr id="32" name="Rounded Rectangle 31"/>
+          <p:cNvSpPr/>
+          <p:nvPr/>
+        </p:nvSpPr>
+        <p:spPr>
+          <a:xfrm>
+            <a:off x="3392057" y="5742183"/>
+            <a:ext cx="952249" cy="45719"/>
+          </a:xfrm>
+          <a:prstGeom prst="roundRect">
+            <a:avLst>
+              <a:gd name="adj" fmla="val 50000"/>
+            </a:avLst>
+          </a:prstGeom>
+          <a:ln>
+            <a:noFill/>
+          </a:ln>
+          <a:effectLst/>
+        </p:spPr>
+        <p:style>
+          <a:lnRef idx="2">
+            <a:schemeClr val="accent2">
+              <a:shade val="50000"/>
+            </a:schemeClr>
+          </a:lnRef>
+          <a:fillRef idx="1">
+            <a:schemeClr val="accent2"/>
+          </a:fillRef>
+          <a:effectRef idx="0">
+            <a:schemeClr val="accent2"/>
+          </a:effectRef>
+          <a:fontRef idx="minor">
+            <a:schemeClr val="lt1"/>
+          </a:fontRef>
+        </p:style>
+        <p:txBody>
+          <a:bodyPr lIns="121893" tIns="60947" rIns="121893" bIns="60947" rtlCol="0" anchor="ctr"/>
+          <a:lstStyle/>
+          <a:p>
+            <a:pPr algn="ctr"/>
+            <a:endParaRPr lang="en-US" sz="2400"/>
+          </a:p>
+        </p:txBody>
+      </p:sp>
+      <p:sp>
+        <p:nvSpPr>
+          <p:cNvPr id="34" name="Rounded Rectangle 33"/>
+          <p:cNvSpPr/>
+          <p:nvPr/>
+        </p:nvSpPr>
+        <p:spPr>
+          <a:xfrm>
+            <a:off x="3382309" y="5188531"/>
+            <a:ext cx="836608" cy="45720"/>
+          </a:xfrm>
+          <a:prstGeom prst="roundRect">
+            <a:avLst>
+              <a:gd name="adj" fmla="val 50000"/>
+            </a:avLst>
+          </a:prstGeom>
+          <a:ln>
+            <a:noFill/>
+          </a:ln>
+          <a:effectLst/>
+        </p:spPr>
+        <p:style>
+          <a:lnRef idx="2">
+            <a:schemeClr val="accent2">
+              <a:shade val="50000"/>
+            </a:schemeClr>
+          </a:lnRef>
+          <a:fillRef idx="1">
+            <a:schemeClr val="accent2"/>
+          </a:fillRef>
+          <a:effectRef idx="0">
+            <a:schemeClr val="accent2"/>
+          </a:effectRef>
+          <a:fontRef idx="minor">
+            <a:schemeClr val="lt1"/>
+          </a:fontRef>
+        </p:style>
+        <p:txBody>
+          <a:bodyPr lIns="121893" tIns="60947" rIns="121893" bIns="60947" rtlCol="0" anchor="ctr"/>
+          <a:lstStyle/>
+          <a:p>
+            <a:pPr algn="ctr"/>
+            <a:endParaRPr lang="en-US" sz="2400"/>
+          </a:p>
+        </p:txBody>
+      </p:sp>
+      <p:sp>
+        <p:nvSpPr>
+          <p:cNvPr id="35" name="Rounded Rectangle 34"/>
+          <p:cNvSpPr/>
+          <p:nvPr/>
+        </p:nvSpPr>
+        <p:spPr>
+          <a:xfrm>
+            <a:off x="5776461" y="5351727"/>
+            <a:ext cx="1004131" cy="45719"/>
+          </a:xfrm>
+          <a:prstGeom prst="roundRect">
+            <a:avLst>
+              <a:gd name="adj" fmla="val 50000"/>
+            </a:avLst>
+          </a:prstGeom>
+          <a:solidFill>
+            <a:srgbClr val="008E00"/>
+          </a:solidFill>
+          <a:ln>
+            <a:noFill/>
+          </a:ln>
+        </p:spPr>
+        <p:style>
+          <a:lnRef idx="2">
+            <a:schemeClr val="accent4">
+              <a:shade val="50000"/>
+            </a:schemeClr>
+          </a:lnRef>
+          <a:fillRef idx="1">
+            <a:schemeClr val="accent4"/>
+          </a:fillRef>
+          <a:effectRef idx="0">
+            <a:schemeClr val="accent4"/>
+          </a:effectRef>
+          <a:fontRef idx="minor">
+            <a:schemeClr val="lt1"/>
+          </a:fontRef>
+        </p:style>
+        <p:txBody>
+          <a:bodyPr lIns="121893" tIns="60947" rIns="121893" bIns="60947" rtlCol="0" anchor="ctr"/>
+          <a:lstStyle/>
+          <a:p>
+            <a:pPr algn="ctr"/>
+            <a:endParaRPr lang="en-US" sz="2400"/>
+          </a:p>
+        </p:txBody>
+      </p:sp>
+      <p:sp>
+        <p:nvSpPr>
+          <p:cNvPr id="36" name="Rounded Rectangle 35"/>
+          <p:cNvSpPr/>
+          <p:nvPr/>
+        </p:nvSpPr>
+        <p:spPr>
+          <a:xfrm>
+            <a:off x="6082476" y="5489529"/>
+            <a:ext cx="406400" cy="45719"/>
+          </a:xfrm>
+          <a:prstGeom prst="roundRect">
+            <a:avLst>
+              <a:gd name="adj" fmla="val 50000"/>
+            </a:avLst>
+          </a:prstGeom>
+          <a:solidFill>
+            <a:srgbClr val="008E00"/>
+          </a:solidFill>
+          <a:ln>
+            <a:noFill/>
+          </a:ln>
+        </p:spPr>
+        <p:style>
+          <a:lnRef idx="2">
+            <a:schemeClr val="accent4">
+              <a:shade val="50000"/>
+            </a:schemeClr>
+          </a:lnRef>
+          <a:fillRef idx="1">
+            <a:schemeClr val="accent4"/>
+          </a:fillRef>
+          <a:effectRef idx="0">
+            <a:schemeClr val="accent4"/>
+          </a:effectRef>
+          <a:fontRef idx="minor">
+            <a:schemeClr val="lt1"/>
+          </a:fontRef>
+        </p:style>
+        <p:txBody>
+          <a:bodyPr lIns="121893" tIns="60947" rIns="121893" bIns="60947" rtlCol="0" anchor="ctr"/>
+          <a:lstStyle/>
+          <a:p>
+            <a:pPr algn="ctr"/>
+            <a:endParaRPr lang="en-US" sz="2400"/>
+          </a:p>
+        </p:txBody>
+      </p:sp>
+      <p:sp>
+        <p:nvSpPr>
+          <p:cNvPr id="37" name="Rounded Rectangle 36"/>
+          <p:cNvSpPr/>
+          <p:nvPr/>
+        </p:nvSpPr>
+        <p:spPr>
+          <a:xfrm>
+            <a:off x="6043564" y="5619070"/>
+            <a:ext cx="502457" cy="45719"/>
+          </a:xfrm>
+          <a:prstGeom prst="roundRect">
+            <a:avLst>
+              <a:gd name="adj" fmla="val 50000"/>
+            </a:avLst>
+          </a:prstGeom>
+          <a:solidFill>
+            <a:srgbClr val="008E00"/>
+          </a:solidFill>
+          <a:ln>
+            <a:noFill/>
+          </a:ln>
+        </p:spPr>
+        <p:style>
+          <a:lnRef idx="2">
+            <a:schemeClr val="accent4">
+              <a:shade val="50000"/>
+            </a:schemeClr>
+          </a:lnRef>
+          <a:fillRef idx="1">
+            <a:schemeClr val="accent4"/>
+          </a:fillRef>
+          <a:effectRef idx="0">
+            <a:schemeClr val="accent4"/>
+          </a:effectRef>
+          <a:fontRef idx="minor">
+            <a:schemeClr val="lt1"/>
+          </a:fontRef>
+        </p:style>
+        <p:txBody>
+          <a:bodyPr lIns="121893" tIns="60947" rIns="121893" bIns="60947" rtlCol="0" anchor="ctr"/>
+          <a:lstStyle/>
+          <a:p>
+            <a:pPr algn="ctr"/>
+            <a:endParaRPr lang="en-US" sz="2400"/>
+          </a:p>
+        </p:txBody>
+      </p:sp>
+      <p:sp>
+        <p:nvSpPr>
+          <p:cNvPr id="38" name="Rounded Rectangle 37"/>
+          <p:cNvSpPr/>
+          <p:nvPr/>
+        </p:nvSpPr>
+        <p:spPr>
+          <a:xfrm>
+            <a:off x="5884240" y="5738395"/>
+            <a:ext cx="796765" cy="45720"/>
+          </a:xfrm>
+          <a:prstGeom prst="roundRect">
+            <a:avLst>
+              <a:gd name="adj" fmla="val 50000"/>
+            </a:avLst>
+          </a:prstGeom>
+          <a:solidFill>
+            <a:srgbClr val="008E00"/>
+          </a:solidFill>
+          <a:ln>
+            <a:noFill/>
+          </a:ln>
+        </p:spPr>
+        <p:style>
+          <a:lnRef idx="2">
+            <a:schemeClr val="accent4">
+              <a:shade val="50000"/>
+            </a:schemeClr>
+          </a:lnRef>
+          <a:fillRef idx="1">
+            <a:schemeClr val="accent4"/>
+          </a:fillRef>
+          <a:effectRef idx="0">
+            <a:schemeClr val="accent4"/>
+          </a:effectRef>
+          <a:fontRef idx="minor">
+            <a:schemeClr val="lt1"/>
+          </a:fontRef>
+        </p:style>
+        <p:txBody>
+          <a:bodyPr lIns="121893" tIns="60947" rIns="121893" bIns="60947" rtlCol="0" anchor="ctr"/>
+          <a:lstStyle/>
+          <a:p>
+            <a:pPr algn="ctr"/>
+            <a:endParaRPr lang="en-US" sz="2400"/>
+          </a:p>
+        </p:txBody>
+      </p:sp>
+      <p:sp>
+        <p:nvSpPr>
+          <p:cNvPr id="39" name="Rounded Rectangle 38"/>
+          <p:cNvSpPr/>
+          <p:nvPr/>
+        </p:nvSpPr>
+        <p:spPr>
+          <a:xfrm>
+            <a:off x="8264631" y="5520650"/>
+            <a:ext cx="718924" cy="45719"/>
+          </a:xfrm>
+          <a:prstGeom prst="roundRect">
+            <a:avLst>
+              <a:gd name="adj" fmla="val 50000"/>
+            </a:avLst>
+          </a:prstGeom>
+          <a:solidFill>
+            <a:srgbClr val="4883FF"/>
+          </a:solidFill>
+          <a:ln>
+            <a:noFill/>
+          </a:ln>
+        </p:spPr>
+        <p:style>
+          <a:lnRef idx="2">
+            <a:schemeClr val="accent4">
+              <a:shade val="50000"/>
+            </a:schemeClr>
+          </a:lnRef>
+          <a:fillRef idx="1">
+            <a:schemeClr val="accent4"/>
+          </a:fillRef>
+          <a:effectRef idx="0">
+            <a:schemeClr val="accent4"/>
+          </a:effectRef>
+          <a:fontRef idx="minor">
+            <a:schemeClr val="lt1"/>
+          </a:fontRef>
+        </p:style>
+        <p:txBody>
+          <a:bodyPr lIns="121893" tIns="60947" rIns="121893" bIns="60947" rtlCol="0" anchor="ctr"/>
+          <a:lstStyle/>
+          <a:p>
+            <a:pPr algn="ctr"/>
+            <a:endParaRPr lang="en-US" sz="2400"/>
+          </a:p>
+        </p:txBody>
+      </p:sp>
+      <p:sp>
+        <p:nvSpPr>
+          <p:cNvPr id="40" name="Rounded Rectangle 39"/>
+          <p:cNvSpPr/>
+          <p:nvPr/>
+        </p:nvSpPr>
+        <p:spPr>
+          <a:xfrm>
+            <a:off x="8122479" y="5629074"/>
+            <a:ext cx="996580" cy="45719"/>
+          </a:xfrm>
+          <a:prstGeom prst="roundRect">
+            <a:avLst>
+              <a:gd name="adj" fmla="val 50000"/>
+            </a:avLst>
+          </a:prstGeom>
+          <a:solidFill>
+            <a:srgbClr val="4883FF"/>
+          </a:solidFill>
+          <a:ln>
+            <a:noFill/>
+          </a:ln>
+        </p:spPr>
+        <p:style>
+          <a:lnRef idx="2">
+            <a:schemeClr val="accent4">
+              <a:shade val="50000"/>
+            </a:schemeClr>
+          </a:lnRef>
+          <a:fillRef idx="1">
+            <a:schemeClr val="accent4"/>
+          </a:fillRef>
+          <a:effectRef idx="0">
+            <a:schemeClr val="accent4"/>
+          </a:effectRef>
+          <a:fontRef idx="minor">
+            <a:schemeClr val="lt1"/>
+          </a:fontRef>
+        </p:style>
+        <p:txBody>
+          <a:bodyPr lIns="121893" tIns="60947" rIns="121893" bIns="60947" rtlCol="0" anchor="ctr"/>
+          <a:lstStyle/>
+          <a:p>
+            <a:pPr algn="ctr"/>
+            <a:endParaRPr lang="en-US" sz="2400"/>
+          </a:p>
+        </p:txBody>
+      </p:sp>
+      <p:sp>
+        <p:nvSpPr>
+          <p:cNvPr id="42" name="Rounded Rectangle 41"/>
+          <p:cNvSpPr/>
+          <p:nvPr/>
+        </p:nvSpPr>
+        <p:spPr>
+          <a:xfrm>
+            <a:off x="8121944" y="5745063"/>
+            <a:ext cx="954848" cy="45720"/>
+          </a:xfrm>
+          <a:prstGeom prst="roundRect">
+            <a:avLst>
+              <a:gd name="adj" fmla="val 50000"/>
+            </a:avLst>
+          </a:prstGeom>
+          <a:solidFill>
+            <a:srgbClr val="4883FF"/>
+          </a:solidFill>
+          <a:ln>
+            <a:noFill/>
+          </a:ln>
+        </p:spPr>
+        <p:style>
+          <a:lnRef idx="2">
+            <a:schemeClr val="accent4">
+              <a:shade val="50000"/>
+            </a:schemeClr>
+          </a:lnRef>
+          <a:fillRef idx="1">
+            <a:schemeClr val="accent4"/>
+          </a:fillRef>
+          <a:effectRef idx="0">
+            <a:schemeClr val="accent4"/>
+          </a:effectRef>
+          <a:fontRef idx="minor">
+            <a:schemeClr val="lt1"/>
+          </a:fontRef>
+        </p:style>
+        <p:txBody>
+          <a:bodyPr lIns="121893" tIns="60947" rIns="121893" bIns="60947" rtlCol="0" anchor="ctr"/>
+          <a:lstStyle/>
+          <a:p>
+            <a:pPr algn="ctr"/>
+            <a:endParaRPr lang="en-US" sz="2400"/>
+          </a:p>
+        </p:txBody>
+      </p:sp>
+      <p:sp>
+        <p:nvSpPr>
+          <p:cNvPr id="43" name="Rounded Rectangle 42"/>
+          <p:cNvSpPr/>
+          <p:nvPr/>
+        </p:nvSpPr>
+        <p:spPr>
+          <a:xfrm>
+            <a:off x="8301554" y="5855511"/>
+            <a:ext cx="631409" cy="45720"/>
+          </a:xfrm>
+          <a:prstGeom prst="roundRect">
+            <a:avLst>
+              <a:gd name="adj" fmla="val 50000"/>
+            </a:avLst>
+          </a:prstGeom>
+          <a:solidFill>
+            <a:srgbClr val="4883FF"/>
+          </a:solidFill>
+          <a:ln>
+            <a:noFill/>
+          </a:ln>
+        </p:spPr>
+        <p:style>
+          <a:lnRef idx="2">
+            <a:schemeClr val="accent4">
+              <a:shade val="50000"/>
+            </a:schemeClr>
+          </a:lnRef>
+          <a:fillRef idx="1">
+            <a:schemeClr val="accent4"/>
+          </a:fillRef>
+          <a:effectRef idx="0">
+            <a:schemeClr val="accent4"/>
+          </a:effectRef>
+          <a:fontRef idx="minor">
+            <a:schemeClr val="lt1"/>
+          </a:fontRef>
+        </p:style>
+        <p:txBody>
+          <a:bodyPr lIns="121893" tIns="60947" rIns="121893" bIns="60947" rtlCol="0" anchor="ctr"/>
+          <a:lstStyle/>
+          <a:p>
+            <a:pPr algn="ctr"/>
+            <a:endParaRPr lang="en-US" sz="2400"/>
+          </a:p>
+        </p:txBody>
+      </p:sp>
+      <p:sp>
+        <p:nvSpPr>
+          <p:cNvPr id="44" name="Rounded Rectangle 43"/>
+          <p:cNvSpPr/>
+          <p:nvPr/>
+        </p:nvSpPr>
+        <p:spPr>
+          <a:xfrm>
+            <a:off x="3523676" y="5863440"/>
+            <a:ext cx="609600" cy="48621"/>
+          </a:xfrm>
+          <a:prstGeom prst="roundRect">
+            <a:avLst>
+              <a:gd name="adj" fmla="val 50000"/>
+            </a:avLst>
+          </a:prstGeom>
+          <a:ln>
+            <a:noFill/>
+          </a:ln>
+          <a:effectLst/>
+        </p:spPr>
+        <p:style>
+          <a:lnRef idx="2">
+            <a:schemeClr val="accent2">
+              <a:shade val="50000"/>
+            </a:schemeClr>
+          </a:lnRef>
+          <a:fillRef idx="1">
+            <a:schemeClr val="accent2"/>
+          </a:fillRef>
+          <a:effectRef idx="0">
+            <a:schemeClr val="accent2"/>
+          </a:effectRef>
+          <a:fontRef idx="minor">
+            <a:schemeClr val="lt1"/>
+          </a:fontRef>
+        </p:style>
+        <p:txBody>
+          <a:bodyPr lIns="121893" tIns="60947" rIns="121893" bIns="60947" rtlCol="0" anchor="ctr"/>
+          <a:lstStyle/>
+          <a:p>
+            <a:pPr algn="ctr"/>
+            <a:endParaRPr lang="en-US" sz="2400"/>
+          </a:p>
+        </p:txBody>
+      </p:sp>
+      <p:sp>
+        <p:nvSpPr>
+          <p:cNvPr id="45" name="Rounded Rectangle 44"/>
+          <p:cNvSpPr/>
+          <p:nvPr/>
+        </p:nvSpPr>
+        <p:spPr>
+          <a:xfrm>
+            <a:off x="3252355" y="5973153"/>
+            <a:ext cx="1311948" cy="45720"/>
+          </a:xfrm>
+          <a:prstGeom prst="roundRect">
+            <a:avLst>
+              <a:gd name="adj" fmla="val 50000"/>
+            </a:avLst>
+          </a:prstGeom>
+          <a:ln>
+            <a:noFill/>
+          </a:ln>
+          <a:effectLst/>
+        </p:spPr>
+        <p:style>
+          <a:lnRef idx="2">
+            <a:schemeClr val="accent2">
+              <a:shade val="50000"/>
+            </a:schemeClr>
+          </a:lnRef>
+          <a:fillRef idx="1">
+            <a:schemeClr val="accent2"/>
+          </a:fillRef>
+          <a:effectRef idx="0">
+            <a:schemeClr val="accent2"/>
+          </a:effectRef>
+          <a:fontRef idx="minor">
+            <a:schemeClr val="lt1"/>
+          </a:fontRef>
+        </p:style>
+        <p:txBody>
+          <a:bodyPr lIns="121893" tIns="60947" rIns="121893" bIns="60947" rtlCol="0" anchor="ctr"/>
+          <a:lstStyle/>
+          <a:p>
+            <a:pPr algn="ctr"/>
+            <a:endParaRPr lang="en-US" sz="2400"/>
+          </a:p>
+        </p:txBody>
+      </p:sp>
+      <p:sp>
+        <p:nvSpPr>
+          <p:cNvPr id="46" name="Rounded Rectangle 45"/>
+          <p:cNvSpPr/>
+          <p:nvPr/>
+        </p:nvSpPr>
+        <p:spPr>
+          <a:xfrm>
+            <a:off x="5603391" y="5863683"/>
+            <a:ext cx="1339523" cy="45719"/>
+          </a:xfrm>
+          <a:prstGeom prst="roundRect">
+            <a:avLst>
+              <a:gd name="adj" fmla="val 50000"/>
+            </a:avLst>
+          </a:prstGeom>
+          <a:solidFill>
+            <a:srgbClr val="008E00"/>
+          </a:solidFill>
+          <a:ln>
+            <a:noFill/>
+          </a:ln>
+        </p:spPr>
+        <p:style>
+          <a:lnRef idx="2">
+            <a:schemeClr val="accent4">
+              <a:shade val="50000"/>
+            </a:schemeClr>
+          </a:lnRef>
+          <a:fillRef idx="1">
+            <a:schemeClr val="accent4"/>
+          </a:fillRef>
+          <a:effectRef idx="0">
+            <a:schemeClr val="accent4"/>
+          </a:effectRef>
+          <a:fontRef idx="minor">
+            <a:schemeClr val="lt1"/>
+          </a:fontRef>
+        </p:style>
+        <p:txBody>
+          <a:bodyPr lIns="121893" tIns="60947" rIns="121893" bIns="60947" rtlCol="0" anchor="ctr"/>
+          <a:lstStyle/>
+          <a:p>
+            <a:pPr algn="ctr"/>
+            <a:endParaRPr lang="en-US" sz="2400"/>
+          </a:p>
+        </p:txBody>
+      </p:sp>
+      <p:sp>
+        <p:nvSpPr>
+          <p:cNvPr id="47" name="Rounded Rectangle 46"/>
+          <p:cNvSpPr/>
+          <p:nvPr/>
+        </p:nvSpPr>
+        <p:spPr>
+          <a:xfrm>
+            <a:off x="5912264" y="5985681"/>
+            <a:ext cx="796765" cy="45720"/>
+          </a:xfrm>
+          <a:prstGeom prst="roundRect">
+            <a:avLst>
+              <a:gd name="adj" fmla="val 50000"/>
+            </a:avLst>
+          </a:prstGeom>
+          <a:solidFill>
+            <a:srgbClr val="008E00"/>
+          </a:solidFill>
+          <a:ln>
+            <a:noFill/>
+          </a:ln>
+        </p:spPr>
+        <p:style>
+          <a:lnRef idx="2">
+            <a:schemeClr val="accent4">
+              <a:shade val="50000"/>
+            </a:schemeClr>
+          </a:lnRef>
+          <a:fillRef idx="1">
+            <a:schemeClr val="accent4"/>
+          </a:fillRef>
+          <a:effectRef idx="0">
+            <a:schemeClr val="accent4"/>
+          </a:effectRef>
+          <a:fontRef idx="minor">
+            <a:schemeClr val="lt1"/>
+          </a:fontRef>
+        </p:style>
+        <p:txBody>
+          <a:bodyPr lIns="121893" tIns="60947" rIns="121893" bIns="60947" rtlCol="0" anchor="ctr"/>
+          <a:lstStyle/>
+          <a:p>
+            <a:pPr algn="ctr"/>
+            <a:endParaRPr lang="en-US" sz="2400"/>
+          </a:p>
+        </p:txBody>
+      </p:sp>
+      <p:sp>
+        <p:nvSpPr>
+          <p:cNvPr id="48" name="Rounded Rectangle 47"/>
+          <p:cNvSpPr/>
+          <p:nvPr/>
+        </p:nvSpPr>
+        <p:spPr>
+          <a:xfrm>
+            <a:off x="8200597" y="5979345"/>
+            <a:ext cx="847015" cy="45720"/>
+          </a:xfrm>
+          <a:prstGeom prst="roundRect">
+            <a:avLst>
+              <a:gd name="adj" fmla="val 50000"/>
+            </a:avLst>
+          </a:prstGeom>
+          <a:solidFill>
+            <a:srgbClr val="4883FF"/>
+          </a:solidFill>
+          <a:ln>
+            <a:noFill/>
+          </a:ln>
+        </p:spPr>
+        <p:style>
+          <a:lnRef idx="2">
+            <a:schemeClr val="accent4">
+              <a:shade val="50000"/>
+            </a:schemeClr>
+          </a:lnRef>
+          <a:fillRef idx="1">
+            <a:schemeClr val="accent4"/>
+          </a:fillRef>
+          <a:effectRef idx="0">
+            <a:schemeClr val="accent4"/>
+          </a:effectRef>
+          <a:fontRef idx="minor">
+            <a:schemeClr val="lt1"/>
+          </a:fontRef>
+        </p:style>
+        <p:txBody>
+          <a:bodyPr lIns="121893" tIns="60947" rIns="121893" bIns="60947" rtlCol="0" anchor="ctr"/>
+          <a:lstStyle/>
+          <a:p>
+            <a:pPr algn="ctr"/>
+            <a:endParaRPr lang="en-US" sz="2400"/>
+          </a:p>
+        </p:txBody>
+      </p:sp>
+      <p:sp>
+        <p:nvSpPr>
+          <p:cNvPr id="49" name="Rounded Rectangle 48"/>
+          <p:cNvSpPr/>
+          <p:nvPr/>
+        </p:nvSpPr>
+        <p:spPr>
+          <a:xfrm>
+            <a:off x="7928135" y="5279601"/>
+            <a:ext cx="1311948" cy="45720"/>
+          </a:xfrm>
+          <a:prstGeom prst="roundRect">
+            <a:avLst>
+              <a:gd name="adj" fmla="val 50000"/>
+            </a:avLst>
+          </a:prstGeom>
+          <a:solidFill>
+            <a:srgbClr val="4883FF"/>
+          </a:solidFill>
+          <a:ln>
+            <a:noFill/>
+          </a:ln>
+        </p:spPr>
+        <p:style>
+          <a:lnRef idx="2">
+            <a:schemeClr val="accent4">
+              <a:shade val="50000"/>
+            </a:schemeClr>
+          </a:lnRef>
+          <a:fillRef idx="1">
+            <a:schemeClr val="accent4"/>
+          </a:fillRef>
+          <a:effectRef idx="0">
+            <a:schemeClr val="accent4"/>
+          </a:effectRef>
+          <a:fontRef idx="minor">
+            <a:schemeClr val="lt1"/>
+          </a:fontRef>
+        </p:style>
+        <p:txBody>
+          <a:bodyPr lIns="121893" tIns="60947" rIns="121893" bIns="60947" rtlCol="0" anchor="ctr"/>
+          <a:lstStyle/>
+          <a:p>
+            <a:pPr algn="ctr"/>
+            <a:endParaRPr lang="en-US" sz="2400"/>
+          </a:p>
+        </p:txBody>
+      </p:sp>
+      <p:grpSp>
+        <p:nvGrpSpPr>
+          <p:cNvPr id="41" name="Group 40"/>
+          <p:cNvGrpSpPr/>
+          <p:nvPr/>
+        </p:nvGrpSpPr>
+        <p:grpSpPr>
+          <a:xfrm>
+            <a:off x="2554289" y="691241"/>
+            <a:ext cx="6804191" cy="4402763"/>
+            <a:chOff x="1530225" y="518431"/>
+            <a:chExt cx="6648824" cy="3302072"/>
+          </a:xfrm>
+        </p:grpSpPr>
+        <p:pic>
+          <p:nvPicPr>
+            <p:cNvPr id="50" name="Picture 49" descr="SlidePositioning_1d.png"/>
+            <p:cNvPicPr>
+              <a:picLocks noChangeAspect="1"/>
+            </p:cNvPicPr>
+            <p:nvPr/>
+          </p:nvPicPr>
+          <p:blipFill rotWithShape="1">
+            <a:blip r:embed="rId2" cstate="screen">
+              <a:extLst>
+                <a:ext uri="{28A0092B-C50C-407E-A947-70E740481C1C}">
+                  <a14:useLocalDpi xmlns:a14="http://schemas.microsoft.com/office/drawing/2010/main"/>
+                </a:ext>
+              </a:extLst>
+            </a:blip>
+            <a:srcRect/>
+            <a:stretch/>
+          </p:blipFill>
+          <p:spPr>
+            <a:xfrm>
+              <a:off x="1530225" y="518431"/>
+              <a:ext cx="6648824" cy="3302072"/>
+            </a:xfrm>
+            <a:prstGeom prst="rect">
+              <a:avLst/>
+            </a:prstGeom>
+            <a:ln>
+              <a:noFill/>
+              <a:prstDash val="dot"/>
+            </a:ln>
+          </p:spPr>
+        </p:pic>
+        <p:grpSp>
+          <p:nvGrpSpPr>
+            <p:cNvPr id="51" name="Group 50"/>
+            <p:cNvGrpSpPr/>
+            <p:nvPr/>
+          </p:nvGrpSpPr>
+          <p:grpSpPr>
+            <a:xfrm>
+              <a:off x="3266978" y="2259380"/>
+              <a:ext cx="4216221" cy="671258"/>
+              <a:chOff x="3081454" y="3140927"/>
+              <a:chExt cx="4216221" cy="895011"/>
+            </a:xfrm>
+          </p:grpSpPr>
+          <p:sp>
+            <p:nvSpPr>
+              <p:cNvPr id="52" name="Freeform 51"/>
+              <p:cNvSpPr/>
+              <p:nvPr/>
+            </p:nvSpPr>
+            <p:spPr>
+              <a:xfrm>
+                <a:off x="7028826" y="3511373"/>
+                <a:ext cx="268849" cy="213213"/>
+              </a:xfrm>
+              <a:custGeom>
+                <a:avLst/>
+                <a:gdLst>
+                  <a:gd name="connsiteX0" fmla="*/ 0 w 268849"/>
+                  <a:gd name="connsiteY0" fmla="*/ 0 h 278780"/>
+                  <a:gd name="connsiteX1" fmla="*/ 254000 w 268849"/>
+                  <a:gd name="connsiteY1" fmla="*/ 49561 h 278780"/>
+                  <a:gd name="connsiteX2" fmla="*/ 216829 w 268849"/>
+                  <a:gd name="connsiteY2" fmla="*/ 278780 h 278780"/>
+                </a:gdLst>
+                <a:ahLst/>
+                <a:cxnLst>
+                  <a:cxn ang="0">
+                    <a:pos x="connsiteX0" y="connsiteY0"/>
+                  </a:cxn>
+                  <a:cxn ang="0">
+                    <a:pos x="connsiteX1" y="connsiteY1"/>
+                  </a:cxn>
+                  <a:cxn ang="0">
+                    <a:pos x="connsiteX2" y="connsiteY2"/>
+                  </a:cxn>
+                </a:cxnLst>
+                <a:rect l="l" t="t" r="r" b="b"/>
+                <a:pathLst>
+                  <a:path w="268849" h="278780">
+                    <a:moveTo>
+                      <a:pt x="0" y="0"/>
+                    </a:moveTo>
+                    <a:cubicBezTo>
+                      <a:pt x="108931" y="1549"/>
+                      <a:pt x="217862" y="3098"/>
+                      <a:pt x="254000" y="49561"/>
+                    </a:cubicBezTo>
+                    <a:cubicBezTo>
+                      <a:pt x="290138" y="96024"/>
+                      <a:pt x="253483" y="187402"/>
+                      <a:pt x="216829" y="278780"/>
+                    </a:cubicBezTo>
+                  </a:path>
+                </a:pathLst>
+              </a:custGeom>
+              <a:ln>
+                <a:solidFill>
+                  <a:srgbClr val="000000"/>
+                </a:solidFill>
+                <a:prstDash val="solid"/>
+                <a:headEnd type="arrow" w="sm" len="sm"/>
+                <a:tailEnd type="arrow" w="sm" len="sm"/>
+              </a:ln>
+            </p:spPr>
+            <p:style>
+              <a:lnRef idx="2">
+                <a:schemeClr val="accent1"/>
+              </a:lnRef>
+              <a:fillRef idx="0">
+                <a:schemeClr val="accent1"/>
+              </a:fillRef>
+              <a:effectRef idx="1">
+                <a:schemeClr val="accent1"/>
+              </a:effectRef>
+              <a:fontRef idx="minor">
+                <a:schemeClr val="tx1"/>
+              </a:fontRef>
+            </p:style>
+            <p:txBody>
+              <a:bodyPr rtlCol="0" anchor="ctr"/>
+              <a:lstStyle/>
+              <a:p>
+                <a:pPr algn="ctr"/>
+                <a:endParaRPr lang="en-US" sz="2400"/>
+              </a:p>
+            </p:txBody>
+          </p:sp>
+          <p:sp>
+            <p:nvSpPr>
+              <p:cNvPr id="53" name="Freeform 52"/>
+              <p:cNvSpPr/>
+              <p:nvPr/>
+            </p:nvSpPr>
+            <p:spPr>
+              <a:xfrm>
+                <a:off x="5351227" y="3462574"/>
+                <a:ext cx="268849" cy="278780"/>
+              </a:xfrm>
+              <a:custGeom>
+                <a:avLst/>
+                <a:gdLst>
+                  <a:gd name="connsiteX0" fmla="*/ 0 w 268849"/>
+                  <a:gd name="connsiteY0" fmla="*/ 0 h 278780"/>
+                  <a:gd name="connsiteX1" fmla="*/ 254000 w 268849"/>
+                  <a:gd name="connsiteY1" fmla="*/ 49561 h 278780"/>
+                  <a:gd name="connsiteX2" fmla="*/ 216829 w 268849"/>
+                  <a:gd name="connsiteY2" fmla="*/ 278780 h 278780"/>
+                </a:gdLst>
+                <a:ahLst/>
+                <a:cxnLst>
+                  <a:cxn ang="0">
+                    <a:pos x="connsiteX0" y="connsiteY0"/>
+                  </a:cxn>
+                  <a:cxn ang="0">
+                    <a:pos x="connsiteX1" y="connsiteY1"/>
+                  </a:cxn>
+                  <a:cxn ang="0">
+                    <a:pos x="connsiteX2" y="connsiteY2"/>
+                  </a:cxn>
+                </a:cxnLst>
+                <a:rect l="l" t="t" r="r" b="b"/>
+                <a:pathLst>
+                  <a:path w="268849" h="278780">
+                    <a:moveTo>
+                      <a:pt x="0" y="0"/>
+                    </a:moveTo>
+                    <a:cubicBezTo>
+                      <a:pt x="108931" y="1549"/>
+                      <a:pt x="217862" y="3098"/>
+                      <a:pt x="254000" y="49561"/>
+                    </a:cubicBezTo>
+                    <a:cubicBezTo>
+                      <a:pt x="290138" y="96024"/>
+                      <a:pt x="253483" y="187402"/>
+                      <a:pt x="216829" y="278780"/>
+                    </a:cubicBezTo>
+                  </a:path>
+                </a:pathLst>
+              </a:custGeom>
+              <a:ln>
+                <a:solidFill>
+                  <a:srgbClr val="000000"/>
+                </a:solidFill>
+                <a:prstDash val="solid"/>
+                <a:headEnd type="arrow" w="sm" len="sm"/>
+                <a:tailEnd type="arrow" w="sm" len="sm"/>
+              </a:ln>
+            </p:spPr>
+            <p:style>
+              <a:lnRef idx="2">
+                <a:schemeClr val="accent1"/>
+              </a:lnRef>
+              <a:fillRef idx="0">
+                <a:schemeClr val="accent1"/>
+              </a:fillRef>
+              <a:effectRef idx="1">
+                <a:schemeClr val="accent1"/>
+              </a:effectRef>
+              <a:fontRef idx="minor">
+                <a:schemeClr val="tx1"/>
+              </a:fontRef>
+            </p:style>
+            <p:txBody>
+              <a:bodyPr rtlCol="0" anchor="ctr"/>
+              <a:lstStyle/>
+              <a:p>
+                <a:pPr algn="ctr"/>
+                <a:endParaRPr lang="en-US" sz="2400"/>
+              </a:p>
+            </p:txBody>
+          </p:sp>
+          <p:sp>
+            <p:nvSpPr>
+              <p:cNvPr id="54" name="Freeform 53"/>
+              <p:cNvSpPr/>
+              <p:nvPr/>
+            </p:nvSpPr>
+            <p:spPr>
+              <a:xfrm>
+                <a:off x="4944947" y="3640873"/>
+                <a:ext cx="172224" cy="278780"/>
+              </a:xfrm>
+              <a:custGeom>
+                <a:avLst/>
+                <a:gdLst>
+                  <a:gd name="connsiteX0" fmla="*/ 0 w 268849"/>
+                  <a:gd name="connsiteY0" fmla="*/ 0 h 278780"/>
+                  <a:gd name="connsiteX1" fmla="*/ 254000 w 268849"/>
+                  <a:gd name="connsiteY1" fmla="*/ 49561 h 278780"/>
+                  <a:gd name="connsiteX2" fmla="*/ 216829 w 268849"/>
+                  <a:gd name="connsiteY2" fmla="*/ 278780 h 278780"/>
+                </a:gdLst>
+                <a:ahLst/>
+                <a:cxnLst>
+                  <a:cxn ang="0">
+                    <a:pos x="connsiteX0" y="connsiteY0"/>
+                  </a:cxn>
+                  <a:cxn ang="0">
+                    <a:pos x="connsiteX1" y="connsiteY1"/>
+                  </a:cxn>
+                  <a:cxn ang="0">
+                    <a:pos x="connsiteX2" y="connsiteY2"/>
+                  </a:cxn>
+                </a:cxnLst>
+                <a:rect l="l" t="t" r="r" b="b"/>
+                <a:pathLst>
+                  <a:path w="268849" h="278780">
+                    <a:moveTo>
+                      <a:pt x="0" y="0"/>
+                    </a:moveTo>
+                    <a:cubicBezTo>
+                      <a:pt x="108931" y="1549"/>
+                      <a:pt x="217862" y="3098"/>
+                      <a:pt x="254000" y="49561"/>
+                    </a:cubicBezTo>
+                    <a:cubicBezTo>
+                      <a:pt x="290138" y="96024"/>
+                      <a:pt x="253483" y="187402"/>
+                      <a:pt x="216829" y="278780"/>
+                    </a:cubicBezTo>
+                  </a:path>
+                </a:pathLst>
+              </a:custGeom>
+              <a:ln>
+                <a:solidFill>
+                  <a:srgbClr val="000000"/>
+                </a:solidFill>
+                <a:prstDash val="solid"/>
+                <a:headEnd type="arrow" w="sm" len="sm"/>
+                <a:tailEnd type="arrow" w="sm" len="sm"/>
+              </a:ln>
+            </p:spPr>
+            <p:style>
+              <a:lnRef idx="2">
+                <a:schemeClr val="accent1"/>
+              </a:lnRef>
+              <a:fillRef idx="0">
+                <a:schemeClr val="accent1"/>
+              </a:fillRef>
+              <a:effectRef idx="1">
+                <a:schemeClr val="accent1"/>
+              </a:effectRef>
+              <a:fontRef idx="minor">
+                <a:schemeClr val="tx1"/>
+              </a:fontRef>
+            </p:style>
+            <p:txBody>
+              <a:bodyPr rtlCol="0" anchor="ctr"/>
+              <a:lstStyle/>
+              <a:p>
+                <a:pPr algn="ctr"/>
+                <a:endParaRPr lang="en-US" sz="2400"/>
+              </a:p>
+            </p:txBody>
+          </p:sp>
+          <p:sp>
+            <p:nvSpPr>
+              <p:cNvPr id="55" name="Freeform 54"/>
+              <p:cNvSpPr/>
+              <p:nvPr/>
+            </p:nvSpPr>
+            <p:spPr>
+              <a:xfrm rot="20747583">
+                <a:off x="6634656" y="3658838"/>
+                <a:ext cx="172224" cy="278780"/>
+              </a:xfrm>
+              <a:custGeom>
+                <a:avLst/>
+                <a:gdLst>
+                  <a:gd name="connsiteX0" fmla="*/ 0 w 268849"/>
+                  <a:gd name="connsiteY0" fmla="*/ 0 h 278780"/>
+                  <a:gd name="connsiteX1" fmla="*/ 254000 w 268849"/>
+                  <a:gd name="connsiteY1" fmla="*/ 49561 h 278780"/>
+                  <a:gd name="connsiteX2" fmla="*/ 216829 w 268849"/>
+                  <a:gd name="connsiteY2" fmla="*/ 278780 h 278780"/>
+                </a:gdLst>
+                <a:ahLst/>
+                <a:cxnLst>
+                  <a:cxn ang="0">
+                    <a:pos x="connsiteX0" y="connsiteY0"/>
+                  </a:cxn>
+                  <a:cxn ang="0">
+                    <a:pos x="connsiteX1" y="connsiteY1"/>
+                  </a:cxn>
+                  <a:cxn ang="0">
+                    <a:pos x="connsiteX2" y="connsiteY2"/>
+                  </a:cxn>
+                </a:cxnLst>
+                <a:rect l="l" t="t" r="r" b="b"/>
+                <a:pathLst>
+                  <a:path w="268849" h="278780">
+                    <a:moveTo>
+                      <a:pt x="0" y="0"/>
+                    </a:moveTo>
+                    <a:cubicBezTo>
+                      <a:pt x="108931" y="1549"/>
+                      <a:pt x="217862" y="3098"/>
+                      <a:pt x="254000" y="49561"/>
+                    </a:cubicBezTo>
+                    <a:cubicBezTo>
+                      <a:pt x="290138" y="96024"/>
+                      <a:pt x="253483" y="187402"/>
+                      <a:pt x="216829" y="278780"/>
+                    </a:cubicBezTo>
+                  </a:path>
+                </a:pathLst>
+              </a:custGeom>
+              <a:ln>
+                <a:solidFill>
+                  <a:srgbClr val="000000"/>
+                </a:solidFill>
+                <a:prstDash val="solid"/>
+                <a:headEnd type="arrow" w="sm" len="sm"/>
+                <a:tailEnd type="arrow" w="sm" len="sm"/>
+              </a:ln>
+            </p:spPr>
+            <p:style>
+              <a:lnRef idx="2">
+                <a:schemeClr val="accent1"/>
+              </a:lnRef>
+              <a:fillRef idx="0">
+                <a:schemeClr val="accent1"/>
+              </a:fillRef>
+              <a:effectRef idx="1">
+                <a:schemeClr val="accent1"/>
+              </a:effectRef>
+              <a:fontRef idx="minor">
+                <a:schemeClr val="tx1"/>
+              </a:fontRef>
+            </p:style>
+            <p:txBody>
+              <a:bodyPr rtlCol="0" anchor="ctr"/>
+              <a:lstStyle/>
+              <a:p>
+                <a:pPr algn="ctr"/>
+                <a:endParaRPr lang="en-US" sz="2400"/>
+              </a:p>
+            </p:txBody>
+          </p:sp>
+          <p:sp>
+            <p:nvSpPr>
+              <p:cNvPr id="56" name="Freeform 55"/>
+              <p:cNvSpPr/>
+              <p:nvPr/>
+            </p:nvSpPr>
+            <p:spPr>
+              <a:xfrm rot="6841664">
+                <a:off x="5012008" y="3275693"/>
+                <a:ext cx="172224" cy="253517"/>
+              </a:xfrm>
+              <a:custGeom>
+                <a:avLst/>
+                <a:gdLst>
+                  <a:gd name="connsiteX0" fmla="*/ 0 w 268849"/>
+                  <a:gd name="connsiteY0" fmla="*/ 0 h 278780"/>
+                  <a:gd name="connsiteX1" fmla="*/ 254000 w 268849"/>
+                  <a:gd name="connsiteY1" fmla="*/ 49561 h 278780"/>
+                  <a:gd name="connsiteX2" fmla="*/ 216829 w 268849"/>
+                  <a:gd name="connsiteY2" fmla="*/ 278780 h 278780"/>
+                </a:gdLst>
+                <a:ahLst/>
+                <a:cxnLst>
+                  <a:cxn ang="0">
+                    <a:pos x="connsiteX0" y="connsiteY0"/>
+                  </a:cxn>
+                  <a:cxn ang="0">
+                    <a:pos x="connsiteX1" y="connsiteY1"/>
+                  </a:cxn>
+                  <a:cxn ang="0">
+                    <a:pos x="connsiteX2" y="connsiteY2"/>
+                  </a:cxn>
+                </a:cxnLst>
+                <a:rect l="l" t="t" r="r" b="b"/>
+                <a:pathLst>
+                  <a:path w="268849" h="278780">
+                    <a:moveTo>
+                      <a:pt x="0" y="0"/>
+                    </a:moveTo>
+                    <a:cubicBezTo>
+                      <a:pt x="108931" y="1549"/>
+                      <a:pt x="217862" y="3098"/>
+                      <a:pt x="254000" y="49561"/>
+                    </a:cubicBezTo>
+                    <a:cubicBezTo>
+                      <a:pt x="290138" y="96024"/>
+                      <a:pt x="253483" y="187402"/>
+                      <a:pt x="216829" y="278780"/>
+                    </a:cubicBezTo>
+                  </a:path>
+                </a:pathLst>
+              </a:custGeom>
+              <a:ln>
+                <a:solidFill>
+                  <a:srgbClr val="000000"/>
+                </a:solidFill>
+                <a:prstDash val="solid"/>
+                <a:headEnd type="arrow" w="sm" len="sm"/>
+                <a:tailEnd type="arrow" w="sm" len="sm"/>
+              </a:ln>
+            </p:spPr>
+            <p:style>
+              <a:lnRef idx="2">
+                <a:schemeClr val="accent1"/>
+              </a:lnRef>
+              <a:fillRef idx="0">
+                <a:schemeClr val="accent1"/>
+              </a:fillRef>
+              <a:effectRef idx="1">
+                <a:schemeClr val="accent1"/>
+              </a:effectRef>
+              <a:fontRef idx="minor">
+                <a:schemeClr val="tx1"/>
+              </a:fontRef>
+            </p:style>
+            <p:txBody>
+              <a:bodyPr rtlCol="0" anchor="ctr"/>
+              <a:lstStyle/>
+              <a:p>
+                <a:pPr algn="ctr"/>
+                <a:endParaRPr lang="en-US" sz="2400"/>
+              </a:p>
+            </p:txBody>
+          </p:sp>
+          <p:sp>
+            <p:nvSpPr>
+              <p:cNvPr id="57" name="Freeform 56"/>
+              <p:cNvSpPr/>
+              <p:nvPr/>
+            </p:nvSpPr>
+            <p:spPr>
+              <a:xfrm rot="6672920">
+                <a:off x="6690180" y="3265029"/>
+                <a:ext cx="172224" cy="278780"/>
+              </a:xfrm>
+              <a:custGeom>
+                <a:avLst/>
+                <a:gdLst>
+                  <a:gd name="connsiteX0" fmla="*/ 0 w 268849"/>
+                  <a:gd name="connsiteY0" fmla="*/ 0 h 278780"/>
+                  <a:gd name="connsiteX1" fmla="*/ 254000 w 268849"/>
+                  <a:gd name="connsiteY1" fmla="*/ 49561 h 278780"/>
+                  <a:gd name="connsiteX2" fmla="*/ 216829 w 268849"/>
+                  <a:gd name="connsiteY2" fmla="*/ 278780 h 278780"/>
+                </a:gdLst>
+                <a:ahLst/>
+                <a:cxnLst>
+                  <a:cxn ang="0">
+                    <a:pos x="connsiteX0" y="connsiteY0"/>
+                  </a:cxn>
+                  <a:cxn ang="0">
+                    <a:pos x="connsiteX1" y="connsiteY1"/>
+                  </a:cxn>
+                  <a:cxn ang="0">
+                    <a:pos x="connsiteX2" y="connsiteY2"/>
+                  </a:cxn>
+                </a:cxnLst>
+                <a:rect l="l" t="t" r="r" b="b"/>
+                <a:pathLst>
+                  <a:path w="268849" h="278780">
+                    <a:moveTo>
+                      <a:pt x="0" y="0"/>
+                    </a:moveTo>
+                    <a:cubicBezTo>
+                      <a:pt x="108931" y="1549"/>
+                      <a:pt x="217862" y="3098"/>
+                      <a:pt x="254000" y="49561"/>
+                    </a:cubicBezTo>
+                    <a:cubicBezTo>
+                      <a:pt x="290138" y="96024"/>
+                      <a:pt x="253483" y="187402"/>
+                      <a:pt x="216829" y="278780"/>
+                    </a:cubicBezTo>
+                  </a:path>
+                </a:pathLst>
+              </a:custGeom>
+              <a:ln>
+                <a:solidFill>
+                  <a:srgbClr val="000000"/>
+                </a:solidFill>
+                <a:prstDash val="solid"/>
+                <a:headEnd type="arrow" w="sm" len="sm"/>
+                <a:tailEnd type="arrow" w="sm" len="sm"/>
+              </a:ln>
+            </p:spPr>
+            <p:style>
+              <a:lnRef idx="2">
+                <a:schemeClr val="accent1"/>
+              </a:lnRef>
+              <a:fillRef idx="0">
+                <a:schemeClr val="accent1"/>
+              </a:fillRef>
+              <a:effectRef idx="1">
+                <a:schemeClr val="accent1"/>
+              </a:effectRef>
+              <a:fontRef idx="minor">
+                <a:schemeClr val="tx1"/>
+              </a:fontRef>
+            </p:style>
+            <p:txBody>
+              <a:bodyPr rtlCol="0" anchor="ctr"/>
+              <a:lstStyle/>
+              <a:p>
+                <a:pPr algn="ctr"/>
+                <a:endParaRPr lang="en-US" sz="2400"/>
+              </a:p>
+            </p:txBody>
+          </p:sp>
+          <p:cxnSp>
+            <p:nvCxnSpPr>
+              <p:cNvPr id="58" name="Straight Arrow Connector 57"/>
+              <p:cNvCxnSpPr/>
+              <p:nvPr/>
+            </p:nvCxnSpPr>
+            <p:spPr>
+              <a:xfrm>
+                <a:off x="3549804" y="3140927"/>
+                <a:ext cx="371708" cy="88152"/>
+              </a:xfrm>
+              <a:prstGeom prst="straightConnector1">
+                <a:avLst/>
+              </a:prstGeom>
+              <a:ln>
+                <a:solidFill>
+                  <a:srgbClr val="000000"/>
+                </a:solidFill>
+                <a:prstDash val="solid"/>
+                <a:headEnd type="arrow" w="sm" len="sm"/>
+                <a:tailEnd type="arrow" w="sm" len="sm"/>
+              </a:ln>
+            </p:spPr>
+            <p:style>
+              <a:lnRef idx="2">
+                <a:schemeClr val="accent1"/>
+              </a:lnRef>
+              <a:fillRef idx="0">
+                <a:schemeClr val="accent1"/>
+              </a:fillRef>
+              <a:effectRef idx="1">
+                <a:schemeClr val="accent1"/>
+              </a:effectRef>
+              <a:fontRef idx="minor">
+                <a:schemeClr val="tx1"/>
+              </a:fontRef>
+            </p:style>
+          </p:cxnSp>
+          <p:cxnSp>
+            <p:nvCxnSpPr>
+              <p:cNvPr id="59" name="Straight Arrow Connector 58"/>
+              <p:cNvCxnSpPr/>
+              <p:nvPr/>
+            </p:nvCxnSpPr>
+            <p:spPr>
+              <a:xfrm flipV="1">
+                <a:off x="3081454" y="3459538"/>
+                <a:ext cx="65668" cy="264350"/>
+              </a:xfrm>
+              <a:prstGeom prst="straightConnector1">
+                <a:avLst/>
+              </a:prstGeom>
+              <a:ln>
+                <a:solidFill>
+                  <a:srgbClr val="000000"/>
+                </a:solidFill>
+                <a:prstDash val="solid"/>
+                <a:headEnd type="arrow" w="sm" len="sm"/>
+                <a:tailEnd type="arrow" w="sm" len="sm"/>
+              </a:ln>
+            </p:spPr>
+            <p:style>
+              <a:lnRef idx="2">
+                <a:schemeClr val="accent1"/>
+              </a:lnRef>
+              <a:fillRef idx="0">
+                <a:schemeClr val="accent1"/>
+              </a:fillRef>
+              <a:effectRef idx="1">
+                <a:schemeClr val="accent1"/>
+              </a:effectRef>
+              <a:fontRef idx="minor">
+                <a:schemeClr val="tx1"/>
+              </a:fontRef>
+            </p:style>
+          </p:cxnSp>
+          <p:sp>
+            <p:nvSpPr>
+              <p:cNvPr id="60" name="Freeform 59"/>
+              <p:cNvSpPr/>
+              <p:nvPr/>
+            </p:nvSpPr>
+            <p:spPr>
+              <a:xfrm>
+                <a:off x="4008244" y="3667512"/>
+                <a:ext cx="123903" cy="229220"/>
+              </a:xfrm>
+              <a:custGeom>
+                <a:avLst/>
+                <a:gdLst>
+                  <a:gd name="connsiteX0" fmla="*/ 0 w 179677"/>
+                  <a:gd name="connsiteY0" fmla="*/ 0 h 229220"/>
+                  <a:gd name="connsiteX1" fmla="*/ 179659 w 179677"/>
+                  <a:gd name="connsiteY1" fmla="*/ 99122 h 229220"/>
+                  <a:gd name="connsiteX2" fmla="*/ 12391 w 179677"/>
+                  <a:gd name="connsiteY2" fmla="*/ 229220 h 229220"/>
+                </a:gdLst>
+                <a:ahLst/>
+                <a:cxnLst>
+                  <a:cxn ang="0">
+                    <a:pos x="connsiteX0" y="connsiteY0"/>
+                  </a:cxn>
+                  <a:cxn ang="0">
+                    <a:pos x="connsiteX1" y="connsiteY1"/>
+                  </a:cxn>
+                  <a:cxn ang="0">
+                    <a:pos x="connsiteX2" y="connsiteY2"/>
+                  </a:cxn>
+                </a:cxnLst>
+                <a:rect l="l" t="t" r="r" b="b"/>
+                <a:pathLst>
+                  <a:path w="179677" h="229220">
+                    <a:moveTo>
+                      <a:pt x="0" y="0"/>
+                    </a:moveTo>
+                    <a:cubicBezTo>
+                      <a:pt x="88797" y="30459"/>
+                      <a:pt x="177594" y="60919"/>
+                      <a:pt x="179659" y="99122"/>
+                    </a:cubicBezTo>
+                    <a:cubicBezTo>
+                      <a:pt x="181724" y="137325"/>
+                      <a:pt x="12391" y="229220"/>
+                      <a:pt x="12391" y="229220"/>
+                    </a:cubicBezTo>
+                  </a:path>
+                </a:pathLst>
+              </a:custGeom>
+              <a:ln>
+                <a:solidFill>
+                  <a:srgbClr val="000000"/>
+                </a:solidFill>
+                <a:prstDash val="solid"/>
+                <a:headEnd type="arrow" w="sm" len="sm"/>
+                <a:tailEnd type="arrow" w="sm" len="sm"/>
+              </a:ln>
+            </p:spPr>
+            <p:style>
+              <a:lnRef idx="2">
+                <a:schemeClr val="accent1"/>
+              </a:lnRef>
+              <a:fillRef idx="0">
+                <a:schemeClr val="accent1"/>
+              </a:fillRef>
+              <a:effectRef idx="1">
+                <a:schemeClr val="accent1"/>
+              </a:effectRef>
+              <a:fontRef idx="minor">
+                <a:schemeClr val="tx1"/>
+              </a:fontRef>
+            </p:style>
+            <p:txBody>
+              <a:bodyPr rtlCol="0" anchor="ctr"/>
+              <a:lstStyle/>
+              <a:p>
+                <a:pPr algn="ctr"/>
+                <a:endParaRPr lang="en-US" sz="2400"/>
+              </a:p>
+            </p:txBody>
+          </p:sp>
+          <p:sp>
+            <p:nvSpPr>
+              <p:cNvPr id="61" name="Freeform 60"/>
+              <p:cNvSpPr/>
+              <p:nvPr/>
+            </p:nvSpPr>
+            <p:spPr>
+              <a:xfrm rot="11080647">
+                <a:off x="3395148" y="3277483"/>
+                <a:ext cx="123903" cy="229220"/>
+              </a:xfrm>
+              <a:custGeom>
+                <a:avLst/>
+                <a:gdLst>
+                  <a:gd name="connsiteX0" fmla="*/ 0 w 179677"/>
+                  <a:gd name="connsiteY0" fmla="*/ 0 h 229220"/>
+                  <a:gd name="connsiteX1" fmla="*/ 179659 w 179677"/>
+                  <a:gd name="connsiteY1" fmla="*/ 99122 h 229220"/>
+                  <a:gd name="connsiteX2" fmla="*/ 12391 w 179677"/>
+                  <a:gd name="connsiteY2" fmla="*/ 229220 h 229220"/>
+                </a:gdLst>
+                <a:ahLst/>
+                <a:cxnLst>
+                  <a:cxn ang="0">
+                    <a:pos x="connsiteX0" y="connsiteY0"/>
+                  </a:cxn>
+                  <a:cxn ang="0">
+                    <a:pos x="connsiteX1" y="connsiteY1"/>
+                  </a:cxn>
+                  <a:cxn ang="0">
+                    <a:pos x="connsiteX2" y="connsiteY2"/>
+                  </a:cxn>
+                </a:cxnLst>
+                <a:rect l="l" t="t" r="r" b="b"/>
+                <a:pathLst>
+                  <a:path w="179677" h="229220">
+                    <a:moveTo>
+                      <a:pt x="0" y="0"/>
+                    </a:moveTo>
+                    <a:cubicBezTo>
+                      <a:pt x="88797" y="30459"/>
+                      <a:pt x="177594" y="60919"/>
+                      <a:pt x="179659" y="99122"/>
+                    </a:cubicBezTo>
+                    <a:cubicBezTo>
+                      <a:pt x="181724" y="137325"/>
+                      <a:pt x="12391" y="229220"/>
+                      <a:pt x="12391" y="229220"/>
+                    </a:cubicBezTo>
+                  </a:path>
+                </a:pathLst>
+              </a:custGeom>
+              <a:ln>
+                <a:solidFill>
+                  <a:srgbClr val="000000"/>
+                </a:solidFill>
+                <a:prstDash val="solid"/>
+                <a:headEnd type="arrow" w="sm" len="sm"/>
+                <a:tailEnd type="arrow" w="sm" len="sm"/>
+              </a:ln>
+            </p:spPr>
+            <p:style>
+              <a:lnRef idx="2">
+                <a:schemeClr val="accent1"/>
+              </a:lnRef>
+              <a:fillRef idx="0">
+                <a:schemeClr val="accent1"/>
+              </a:fillRef>
+              <a:effectRef idx="1">
+                <a:schemeClr val="accent1"/>
+              </a:effectRef>
+              <a:fontRef idx="minor">
+                <a:schemeClr val="tx1"/>
+              </a:fontRef>
+            </p:style>
+            <p:txBody>
+              <a:bodyPr rtlCol="0" anchor="ctr"/>
+              <a:lstStyle/>
+              <a:p>
+                <a:pPr algn="ctr"/>
+                <a:endParaRPr lang="en-US" sz="2400"/>
+              </a:p>
+            </p:txBody>
+          </p:sp>
+          <p:sp>
+            <p:nvSpPr>
+              <p:cNvPr id="62" name="Freeform 61"/>
+              <p:cNvSpPr/>
+              <p:nvPr/>
+            </p:nvSpPr>
+            <p:spPr>
+              <a:xfrm rot="11080647">
+                <a:off x="3714571" y="3580724"/>
+                <a:ext cx="123903" cy="178772"/>
+              </a:xfrm>
+              <a:custGeom>
+                <a:avLst/>
+                <a:gdLst>
+                  <a:gd name="connsiteX0" fmla="*/ 0 w 179677"/>
+                  <a:gd name="connsiteY0" fmla="*/ 0 h 229220"/>
+                  <a:gd name="connsiteX1" fmla="*/ 179659 w 179677"/>
+                  <a:gd name="connsiteY1" fmla="*/ 99122 h 229220"/>
+                  <a:gd name="connsiteX2" fmla="*/ 12391 w 179677"/>
+                  <a:gd name="connsiteY2" fmla="*/ 229220 h 229220"/>
+                </a:gdLst>
+                <a:ahLst/>
+                <a:cxnLst>
+                  <a:cxn ang="0">
+                    <a:pos x="connsiteX0" y="connsiteY0"/>
+                  </a:cxn>
+                  <a:cxn ang="0">
+                    <a:pos x="connsiteX1" y="connsiteY1"/>
+                  </a:cxn>
+                  <a:cxn ang="0">
+                    <a:pos x="connsiteX2" y="connsiteY2"/>
+                  </a:cxn>
+                </a:cxnLst>
+                <a:rect l="l" t="t" r="r" b="b"/>
+                <a:pathLst>
+                  <a:path w="179677" h="229220">
+                    <a:moveTo>
+                      <a:pt x="0" y="0"/>
+                    </a:moveTo>
+                    <a:cubicBezTo>
+                      <a:pt x="88797" y="30459"/>
+                      <a:pt x="177594" y="60919"/>
+                      <a:pt x="179659" y="99122"/>
+                    </a:cubicBezTo>
+                    <a:cubicBezTo>
+                      <a:pt x="181724" y="137325"/>
+                      <a:pt x="12391" y="229220"/>
+                      <a:pt x="12391" y="229220"/>
+                    </a:cubicBezTo>
+                  </a:path>
+                </a:pathLst>
+              </a:custGeom>
+              <a:ln>
+                <a:solidFill>
+                  <a:srgbClr val="000000"/>
+                </a:solidFill>
+                <a:prstDash val="solid"/>
+                <a:headEnd type="arrow" w="sm" len="sm"/>
+                <a:tailEnd type="arrow" w="sm" len="sm"/>
+              </a:ln>
+            </p:spPr>
+            <p:style>
+              <a:lnRef idx="2">
+                <a:schemeClr val="accent1"/>
+              </a:lnRef>
+              <a:fillRef idx="0">
+                <a:schemeClr val="accent1"/>
+              </a:fillRef>
+              <a:effectRef idx="1">
+                <a:schemeClr val="accent1"/>
+              </a:effectRef>
+              <a:fontRef idx="minor">
+                <a:schemeClr val="tx1"/>
+              </a:fontRef>
+            </p:style>
+            <p:txBody>
+              <a:bodyPr rtlCol="0" anchor="ctr"/>
+              <a:lstStyle/>
+              <a:p>
+                <a:pPr algn="ctr"/>
+                <a:endParaRPr lang="en-US" sz="2400"/>
+              </a:p>
+            </p:txBody>
+          </p:sp>
+          <p:sp>
+            <p:nvSpPr>
+              <p:cNvPr id="63" name="Freeform 62"/>
+              <p:cNvSpPr/>
+              <p:nvPr/>
+            </p:nvSpPr>
+            <p:spPr>
+              <a:xfrm rot="5400000">
+                <a:off x="3405644" y="3845792"/>
+                <a:ext cx="123903" cy="256390"/>
+              </a:xfrm>
+              <a:custGeom>
+                <a:avLst/>
+                <a:gdLst>
+                  <a:gd name="connsiteX0" fmla="*/ 0 w 179677"/>
+                  <a:gd name="connsiteY0" fmla="*/ 0 h 229220"/>
+                  <a:gd name="connsiteX1" fmla="*/ 179659 w 179677"/>
+                  <a:gd name="connsiteY1" fmla="*/ 99122 h 229220"/>
+                  <a:gd name="connsiteX2" fmla="*/ 12391 w 179677"/>
+                  <a:gd name="connsiteY2" fmla="*/ 229220 h 229220"/>
+                </a:gdLst>
+                <a:ahLst/>
+                <a:cxnLst>
+                  <a:cxn ang="0">
+                    <a:pos x="connsiteX0" y="connsiteY0"/>
+                  </a:cxn>
+                  <a:cxn ang="0">
+                    <a:pos x="connsiteX1" y="connsiteY1"/>
+                  </a:cxn>
+                  <a:cxn ang="0">
+                    <a:pos x="connsiteX2" y="connsiteY2"/>
+                  </a:cxn>
+                </a:cxnLst>
+                <a:rect l="l" t="t" r="r" b="b"/>
+                <a:pathLst>
+                  <a:path w="179677" h="229220">
+                    <a:moveTo>
+                      <a:pt x="0" y="0"/>
+                    </a:moveTo>
+                    <a:cubicBezTo>
+                      <a:pt x="88797" y="30459"/>
+                      <a:pt x="177594" y="60919"/>
+                      <a:pt x="179659" y="99122"/>
+                    </a:cubicBezTo>
+                    <a:cubicBezTo>
+                      <a:pt x="181724" y="137325"/>
+                      <a:pt x="12391" y="229220"/>
+                      <a:pt x="12391" y="229220"/>
+                    </a:cubicBezTo>
+                  </a:path>
+                </a:pathLst>
+              </a:custGeom>
+              <a:ln>
+                <a:solidFill>
+                  <a:srgbClr val="000000"/>
+                </a:solidFill>
+                <a:prstDash val="solid"/>
+                <a:headEnd type="arrow" w="sm" len="sm"/>
+                <a:tailEnd type="arrow" w="sm" len="sm"/>
+              </a:ln>
+            </p:spPr>
+            <p:style>
+              <a:lnRef idx="2">
+                <a:schemeClr val="accent1"/>
+              </a:lnRef>
+              <a:fillRef idx="0">
+                <a:schemeClr val="accent1"/>
+              </a:fillRef>
+              <a:effectRef idx="1">
+                <a:schemeClr val="accent1"/>
+              </a:effectRef>
+              <a:fontRef idx="minor">
+                <a:schemeClr val="tx1"/>
+              </a:fontRef>
+            </p:style>
+            <p:txBody>
+              <a:bodyPr rtlCol="0" anchor="ctr"/>
+              <a:lstStyle/>
+              <a:p>
+                <a:pPr algn="ctr"/>
+                <a:endParaRPr lang="en-US" sz="2400"/>
+              </a:p>
+            </p:txBody>
+          </p:sp>
+        </p:grpSp>
+      </p:grpSp>
+      <p:sp>
+        <p:nvSpPr>
+          <p:cNvPr id="2" name="TextBox 1"/>
+          <p:cNvSpPr txBox="1"/>
+          <p:nvPr/>
+        </p:nvSpPr>
+        <p:spPr>
+          <a:xfrm>
+            <a:off x="3952287" y="294708"/>
+            <a:ext cx="4808876" cy="943968"/>
+          </a:xfrm>
+          <a:prstGeom prst="rect">
+            <a:avLst/>
+          </a:prstGeom>
+          <a:noFill/>
+        </p:spPr>
+        <p:txBody>
+          <a:bodyPr wrap="square" lIns="121912" tIns="60956" rIns="121912" bIns="60956" rtlCol="0">
+            <a:spAutoFit/>
+          </a:bodyPr>
+          <a:lstStyle/>
+          <a:p>
+            <a:r>
+              <a:rPr lang="en-US" sz="2667" dirty="0"/>
+              <a:t>Proximity-Ligation chemically links DNA inside the same cells</a:t>
+            </a:r>
+          </a:p>
+        </p:txBody>
+      </p:sp>
+      <p:cxnSp>
+        <p:nvCxnSpPr>
+          <p:cNvPr id="5" name="Straight Arrow Connector 4"/>
+          <p:cNvCxnSpPr/>
+          <p:nvPr/>
+        </p:nvCxnSpPr>
+        <p:spPr>
+          <a:xfrm flipH="1">
+            <a:off x="5128133" y="1268000"/>
+            <a:ext cx="237136" cy="1369392"/>
+          </a:xfrm>
+          <a:prstGeom prst="straightConnector1">
+            <a:avLst/>
+          </a:prstGeom>
+          <a:ln w="38100" cmpd="sng">
+            <a:tailEnd type="arrow"/>
+          </a:ln>
+        </p:spPr>
+        <p:style>
+          <a:lnRef idx="3">
+            <a:schemeClr val="dk1"/>
+          </a:lnRef>
+          <a:fillRef idx="0">
+            <a:schemeClr val="dk1"/>
+          </a:fillRef>
+          <a:effectRef idx="2">
+            <a:schemeClr val="dk1"/>
+          </a:effectRef>
+          <a:fontRef idx="minor">
+            <a:schemeClr val="tx1"/>
+          </a:fontRef>
+        </p:style>
+      </p:cxnSp>
+      <p:sp>
+        <p:nvSpPr>
+          <p:cNvPr id="64" name="TextBox 63"/>
+          <p:cNvSpPr txBox="1"/>
+          <p:nvPr/>
+        </p:nvSpPr>
+        <p:spPr>
+          <a:xfrm>
+            <a:off x="752974" y="4502765"/>
+            <a:ext cx="4808876" cy="943968"/>
+          </a:xfrm>
+          <a:prstGeom prst="rect">
+            <a:avLst/>
+          </a:prstGeom>
+          <a:noFill/>
+        </p:spPr>
+        <p:txBody>
+          <a:bodyPr wrap="square" lIns="121912" tIns="60956" rIns="121912" bIns="60956" rtlCol="0">
+            <a:spAutoFit/>
+          </a:bodyPr>
+          <a:lstStyle/>
+          <a:p>
+            <a:r>
+              <a:rPr lang="en-US" sz="2667" dirty="0"/>
+              <a:t>Connects </a:t>
+            </a:r>
+            <a:r>
+              <a:rPr lang="en-US" sz="2667" dirty="0" err="1"/>
+              <a:t>metagenome</a:t>
+            </a:r>
+            <a:r>
+              <a:rPr lang="en-US" sz="2667" dirty="0"/>
+              <a:t> sequences </a:t>
+            </a:r>
+          </a:p>
+        </p:txBody>
+      </p:sp>
+    </p:spTree>
+    <p:extLst>
+      <p:ext uri="{BB962C8B-B14F-4D97-AF65-F5344CB8AC3E}">
+        <p14:creationId xmlns:p14="http://schemas.microsoft.com/office/powerpoint/2010/main" val="1912878079"/>
+      </p:ext>
+    </p:extLst>
+  </p:cSld>
+  <p:clrMapOvr>
+    <a:masterClrMapping/>
+  </p:clrMapOvr>
+</p:sld>
+</file>
+
+<file path=ppt/slides/slide24.xml><?xml version="1.0" encoding="utf-8"?>
+<p:sld xmlns:a="http://schemas.openxmlformats.org/drawingml/2006/main" xmlns:r="http://schemas.openxmlformats.org/officeDocument/2006/relationships" xmlns:p="http://schemas.openxmlformats.org/presentationml/2006/main">
+  <p:cSld>
+    <p:spTree>
+      <p:nvGrpSpPr>
+        <p:cNvPr id="1" name=""/>
+        <p:cNvGrpSpPr/>
+        <p:nvPr/>
+      </p:nvGrpSpPr>
+      <p:grpSpPr>
+        <a:xfrm>
+          <a:off x="0" y="0"/>
+          <a:ext cx="0" cy="0"/>
+          <a:chOff x="0" y="0"/>
+          <a:chExt cx="0" cy="0"/>
+        </a:xfrm>
+      </p:grpSpPr>
+      <p:pic>
+        <p:nvPicPr>
+          <p:cNvPr id="4" name="Picture 3"/>
+          <p:cNvPicPr>
+            <a:picLocks noChangeAspect="1"/>
+          </p:cNvPicPr>
+          <p:nvPr/>
+        </p:nvPicPr>
+        <p:blipFill>
+          <a:blip r:embed="rId2" cstate="screen">
+            <a:extLst>
+              <a:ext uri="{28A0092B-C50C-407E-A947-70E740481C1C}">
+                <a14:useLocalDpi xmlns:a14="http://schemas.microsoft.com/office/drawing/2010/main"/>
+              </a:ext>
+            </a:extLst>
+          </a:blip>
+          <a:stretch>
+            <a:fillRect/>
+          </a:stretch>
+        </p:blipFill>
+        <p:spPr>
+          <a:xfrm>
+            <a:off x="6361325" y="1128406"/>
+            <a:ext cx="4891568" cy="1959977"/>
+          </a:xfrm>
+          <a:prstGeom prst="rect">
+            <a:avLst/>
+          </a:prstGeom>
+          <a:ln>
+            <a:solidFill>
+              <a:srgbClr val="193C65"/>
+            </a:solidFill>
+          </a:ln>
+        </p:spPr>
+      </p:pic>
+      <p:pic>
+        <p:nvPicPr>
+          <p:cNvPr id="5" name="Picture 4"/>
+          <p:cNvPicPr>
+            <a:picLocks noChangeAspect="1"/>
+          </p:cNvPicPr>
+          <p:nvPr/>
+        </p:nvPicPr>
+        <p:blipFill>
+          <a:blip r:embed="rId3" cstate="screen">
+            <a:extLst>
+              <a:ext uri="{28A0092B-C50C-407E-A947-70E740481C1C}">
+                <a14:useLocalDpi xmlns:a14="http://schemas.microsoft.com/office/drawing/2010/main"/>
+              </a:ext>
+            </a:extLst>
+          </a:blip>
+          <a:stretch>
+            <a:fillRect/>
+          </a:stretch>
+        </p:blipFill>
+        <p:spPr>
+          <a:xfrm>
+            <a:off x="6361327" y="3175319"/>
+            <a:ext cx="4891568" cy="1635080"/>
+          </a:xfrm>
+          <a:prstGeom prst="rect">
+            <a:avLst/>
+          </a:prstGeom>
+          <a:ln>
+            <a:solidFill>
+              <a:srgbClr val="193C65"/>
+            </a:solidFill>
+          </a:ln>
+        </p:spPr>
+      </p:pic>
+      <p:pic>
+        <p:nvPicPr>
+          <p:cNvPr id="6" name="Picture 5"/>
+          <p:cNvPicPr>
+            <a:picLocks noChangeAspect="1"/>
+          </p:cNvPicPr>
+          <p:nvPr/>
+        </p:nvPicPr>
+        <p:blipFill>
+          <a:blip r:embed="rId4" cstate="screen">
+            <a:extLst>
+              <a:ext uri="{28A0092B-C50C-407E-A947-70E740481C1C}">
+                <a14:useLocalDpi xmlns:a14="http://schemas.microsoft.com/office/drawing/2010/main"/>
+              </a:ext>
+            </a:extLst>
+          </a:blip>
+          <a:stretch>
+            <a:fillRect/>
+          </a:stretch>
+        </p:blipFill>
+        <p:spPr>
+          <a:xfrm>
+            <a:off x="6361337" y="4925516"/>
+            <a:ext cx="4891569" cy="1520912"/>
+          </a:xfrm>
+          <a:prstGeom prst="rect">
+            <a:avLst/>
+          </a:prstGeom>
+          <a:ln>
+            <a:solidFill>
+              <a:srgbClr val="193C65"/>
+            </a:solidFill>
+          </a:ln>
+        </p:spPr>
+      </p:pic>
+      <p:sp>
+        <p:nvSpPr>
+          <p:cNvPr id="7" name="TextBox 6"/>
+          <p:cNvSpPr txBox="1"/>
+          <p:nvPr/>
+        </p:nvSpPr>
+        <p:spPr>
+          <a:xfrm>
+            <a:off x="435242" y="344967"/>
+            <a:ext cx="5924124" cy="6012458"/>
+          </a:xfrm>
+          <a:prstGeom prst="rect">
+            <a:avLst/>
+          </a:prstGeom>
+          <a:noFill/>
+        </p:spPr>
+        <p:txBody>
+          <a:bodyPr wrap="square" lIns="121899" tIns="60949" rIns="121899" bIns="60949" rtlCol="0">
+            <a:spAutoFit/>
+          </a:bodyPr>
+          <a:lstStyle/>
+          <a:p>
+            <a:pPr algn="ctr">
+              <a:spcAft>
+                <a:spcPts val="800"/>
+              </a:spcAft>
+            </a:pPr>
+            <a:r>
+              <a:rPr lang="en-US" sz="3200" b="1" u="sng" dirty="0">
+                <a:solidFill>
+                  <a:srgbClr val="1F4E79"/>
+                </a:solidFill>
+              </a:rPr>
+              <a:t>Proximity-Guided </a:t>
+            </a:r>
+            <a:r>
+              <a:rPr lang="en-US" sz="3200" b="1" u="sng" dirty="0" err="1">
+                <a:solidFill>
+                  <a:srgbClr val="1F4E79"/>
+                </a:solidFill>
+              </a:rPr>
+              <a:t>Metagenome</a:t>
+            </a:r>
+            <a:r>
+              <a:rPr lang="en-US" sz="3200" b="1" u="sng" dirty="0">
+                <a:solidFill>
+                  <a:srgbClr val="1F4E79"/>
+                </a:solidFill>
+              </a:rPr>
+              <a:t> Assembly (</a:t>
+            </a:r>
+            <a:r>
+              <a:rPr lang="en-US" sz="3200" b="1" u="sng" dirty="0" err="1">
+                <a:solidFill>
+                  <a:srgbClr val="1F4E79"/>
+                </a:solidFill>
+              </a:rPr>
+              <a:t>ProxiMeta</a:t>
+            </a:r>
+            <a:r>
+              <a:rPr lang="en-US" sz="3200" b="1" u="sng" dirty="0">
+                <a:solidFill>
+                  <a:srgbClr val="1F4E79"/>
+                </a:solidFill>
+              </a:rPr>
+              <a:t>™)</a:t>
+            </a:r>
+          </a:p>
+          <a:p>
+            <a:pPr algn="ctr">
+              <a:spcAft>
+                <a:spcPts val="800"/>
+              </a:spcAft>
+            </a:pPr>
+            <a:endParaRPr lang="en-US" sz="3200" dirty="0">
+              <a:solidFill>
+                <a:srgbClr val="1F4E79"/>
+              </a:solidFill>
+            </a:endParaRPr>
+          </a:p>
+          <a:p>
+            <a:pPr algn="r">
+              <a:spcAft>
+                <a:spcPts val="800"/>
+              </a:spcAft>
+            </a:pPr>
+            <a:r>
+              <a:rPr lang="en-US" sz="2667" dirty="0">
+                <a:solidFill>
+                  <a:srgbClr val="1F4E79"/>
+                </a:solidFill>
+              </a:rPr>
+              <a:t>Crosslink intact cells to capture intra-cellular interactions</a:t>
+            </a:r>
+          </a:p>
+          <a:p>
+            <a:pPr>
+              <a:spcAft>
+                <a:spcPts val="800"/>
+              </a:spcAft>
+            </a:pPr>
+            <a:endParaRPr lang="en-US" sz="2667" dirty="0">
+              <a:solidFill>
+                <a:srgbClr val="1F4E79"/>
+              </a:solidFill>
+            </a:endParaRPr>
+          </a:p>
+          <a:p>
+            <a:pPr algn="r">
+              <a:spcAft>
+                <a:spcPts val="800"/>
+              </a:spcAft>
+            </a:pPr>
+            <a:r>
+              <a:rPr lang="en-US" sz="2667" dirty="0">
+                <a:solidFill>
+                  <a:srgbClr val="1F4E79"/>
+                </a:solidFill>
+              </a:rPr>
+              <a:t>Isolate and sequence </a:t>
+            </a:r>
+            <a:r>
+              <a:rPr lang="en-US" sz="2667" dirty="0" err="1">
+                <a:solidFill>
+                  <a:srgbClr val="1F4E79"/>
+                </a:solidFill>
+              </a:rPr>
+              <a:t>crosslinked</a:t>
+            </a:r>
+            <a:r>
+              <a:rPr lang="en-US" sz="2667" dirty="0">
+                <a:solidFill>
+                  <a:srgbClr val="1F4E79"/>
+                </a:solidFill>
+              </a:rPr>
+              <a:t> junctions</a:t>
+            </a:r>
+          </a:p>
+          <a:p>
+            <a:pPr>
+              <a:spcAft>
+                <a:spcPts val="800"/>
+              </a:spcAft>
+            </a:pPr>
+            <a:endParaRPr lang="en-US" sz="2667" dirty="0">
+              <a:solidFill>
+                <a:srgbClr val="1F4E79"/>
+              </a:solidFill>
+            </a:endParaRPr>
+          </a:p>
+          <a:p>
+            <a:pPr algn="r">
+              <a:spcAft>
+                <a:spcPts val="800"/>
+              </a:spcAft>
+            </a:pPr>
+            <a:r>
+              <a:rPr lang="en-US" sz="2667" dirty="0">
+                <a:solidFill>
+                  <a:srgbClr val="1F4E79"/>
+                </a:solidFill>
+              </a:rPr>
+              <a:t>Use proximity connections to </a:t>
+            </a:r>
+            <a:r>
+              <a:rPr lang="en-US" sz="2667" dirty="0" err="1">
+                <a:solidFill>
+                  <a:srgbClr val="1F4E79"/>
+                </a:solidFill>
+              </a:rPr>
+              <a:t>deconvolute</a:t>
+            </a:r>
+            <a:r>
+              <a:rPr lang="en-US" sz="2667" dirty="0">
+                <a:solidFill>
+                  <a:srgbClr val="1F4E79"/>
+                </a:solidFill>
+              </a:rPr>
+              <a:t> </a:t>
+            </a:r>
+            <a:r>
+              <a:rPr lang="en-US" sz="2667" dirty="0" err="1">
+                <a:solidFill>
+                  <a:srgbClr val="1F4E79"/>
+                </a:solidFill>
+              </a:rPr>
+              <a:t>metagenome</a:t>
+            </a:r>
+            <a:endParaRPr lang="en-US" sz="2667" dirty="0">
+              <a:solidFill>
+                <a:srgbClr val="1F4E79"/>
+              </a:solidFill>
+            </a:endParaRPr>
+          </a:p>
+          <a:p>
+            <a:pPr>
+              <a:spcAft>
+                <a:spcPts val="800"/>
+              </a:spcAft>
+            </a:pPr>
+            <a:endParaRPr lang="en-US" sz="2667" dirty="0">
+              <a:solidFill>
+                <a:srgbClr val="1F4E79"/>
+              </a:solidFill>
+            </a:endParaRPr>
+          </a:p>
+        </p:txBody>
+      </p:sp>
+    </p:spTree>
+    <p:extLst>
+      <p:ext uri="{BB962C8B-B14F-4D97-AF65-F5344CB8AC3E}">
+        <p14:creationId xmlns:p14="http://schemas.microsoft.com/office/powerpoint/2010/main" val="2647338220"/>
+      </p:ext>
+    </p:extLst>
+  </p:cSld>
+  <p:clrMapOvr>
+    <a:masterClrMapping/>
+  </p:clrMapOvr>
+</p:sld>
+</file>
+
+<file path=ppt/slides/slide25.xml><?xml version="1.0" encoding="utf-8"?>
+<p:sld xmlns:a="http://schemas.openxmlformats.org/drawingml/2006/main" xmlns:r="http://schemas.openxmlformats.org/officeDocument/2006/relationships" xmlns:p="http://schemas.openxmlformats.org/presentationml/2006/main">
+  <p:cSld>
+    <p:spTree>
+      <p:nvGrpSpPr>
+        <p:cNvPr id="1" name=""/>
+        <p:cNvGrpSpPr/>
+        <p:nvPr/>
+      </p:nvGrpSpPr>
+      <p:grpSpPr>
+        <a:xfrm>
+          <a:off x="0" y="0"/>
+          <a:ext cx="0" cy="0"/>
+          <a:chOff x="0" y="0"/>
+          <a:chExt cx="0" cy="0"/>
+        </a:xfrm>
+      </p:grpSpPr>
+      <p:grpSp>
+        <p:nvGrpSpPr>
+          <p:cNvPr id="6" name="Group 5"/>
+          <p:cNvGrpSpPr/>
+          <p:nvPr/>
+        </p:nvGrpSpPr>
+        <p:grpSpPr>
+          <a:xfrm>
+            <a:off x="1703829" y="1185230"/>
+            <a:ext cx="9993231" cy="5244637"/>
+            <a:chOff x="500706" y="620547"/>
+            <a:chExt cx="7204342" cy="3672907"/>
+          </a:xfrm>
+        </p:grpSpPr>
+        <p:grpSp>
+          <p:nvGrpSpPr>
+            <p:cNvPr id="5" name="Group 4"/>
+            <p:cNvGrpSpPr/>
+            <p:nvPr/>
+          </p:nvGrpSpPr>
+          <p:grpSpPr>
+            <a:xfrm>
+              <a:off x="500706" y="620547"/>
+              <a:ext cx="6229086" cy="3408818"/>
+              <a:chOff x="747889" y="1458187"/>
+              <a:chExt cx="7817554" cy="4545090"/>
+            </a:xfrm>
+          </p:grpSpPr>
+          <p:pic>
+            <p:nvPicPr>
+              <p:cNvPr id="2" name="Picture 1"/>
+              <p:cNvPicPr>
+                <a:picLocks noChangeAspect="1"/>
+              </p:cNvPicPr>
+              <p:nvPr/>
+            </p:nvPicPr>
+            <p:blipFill>
+              <a:blip r:embed="rId2" cstate="screen">
+                <a:extLst>
+                  <a:ext uri="{28A0092B-C50C-407E-A947-70E740481C1C}">
+                    <a14:useLocalDpi xmlns:a14="http://schemas.microsoft.com/office/drawing/2010/main"/>
+                  </a:ext>
+                </a:extLst>
+              </a:blip>
+              <a:stretch>
+                <a:fillRect/>
+              </a:stretch>
+            </p:blipFill>
+            <p:spPr>
+              <a:xfrm>
+                <a:off x="747889" y="1458187"/>
+                <a:ext cx="7817554" cy="4545090"/>
+              </a:xfrm>
+              <a:prstGeom prst="rect">
+                <a:avLst/>
+              </a:prstGeom>
+            </p:spPr>
+          </p:pic>
+          <p:sp>
+            <p:nvSpPr>
+              <p:cNvPr id="4" name="Rectangle 3"/>
+              <p:cNvSpPr/>
+              <p:nvPr/>
+            </p:nvSpPr>
+            <p:spPr>
+              <a:xfrm>
+                <a:off x="7126109" y="1528743"/>
+                <a:ext cx="1411111" cy="531480"/>
+              </a:xfrm>
+              <a:prstGeom prst="rect">
+                <a:avLst/>
+              </a:prstGeom>
+              <a:solidFill>
+                <a:srgbClr val="FFFFFF"/>
+              </a:solidFill>
+              <a:ln>
+                <a:noFill/>
+              </a:ln>
+            </p:spPr>
+            <p:style>
+              <a:lnRef idx="1">
+                <a:schemeClr val="accent1"/>
+              </a:lnRef>
+              <a:fillRef idx="3">
+                <a:schemeClr val="accent1"/>
+              </a:fillRef>
+              <a:effectRef idx="2">
+                <a:schemeClr val="accent1"/>
+              </a:effectRef>
+              <a:fontRef idx="minor">
+                <a:schemeClr val="lt1"/>
+              </a:fontRef>
+            </p:style>
+            <p:txBody>
+              <a:bodyPr rtlCol="0" anchor="ctr"/>
+              <a:lstStyle/>
+              <a:p>
+                <a:pPr algn="ctr"/>
+                <a:endParaRPr lang="en-US" sz="2400"/>
+              </a:p>
+            </p:txBody>
+          </p:sp>
+        </p:grpSp>
+        <p:sp>
+          <p:nvSpPr>
+            <p:cNvPr id="3" name="TextBox 2"/>
+            <p:cNvSpPr txBox="1"/>
+            <p:nvPr/>
+          </p:nvSpPr>
+          <p:spPr>
+            <a:xfrm>
+              <a:off x="2562079" y="3970142"/>
+              <a:ext cx="5142969" cy="323312"/>
+            </a:xfrm>
+            <a:prstGeom prst="rect">
+              <a:avLst/>
+            </a:prstGeom>
+            <a:noFill/>
+          </p:spPr>
+          <p:txBody>
+            <a:bodyPr wrap="none" rtlCol="0">
+              <a:spAutoFit/>
+            </a:bodyPr>
+            <a:lstStyle/>
+            <a:p>
+              <a:r>
+                <a:rPr lang="en-US" sz="2400" dirty="0"/>
+                <a:t>In collaboration with Titus Brown, </a:t>
+              </a:r>
+              <a:r>
+                <a:rPr lang="en-US" sz="2400" dirty="0" err="1"/>
+                <a:t>Herminia</a:t>
+              </a:r>
+              <a:r>
+                <a:rPr lang="en-US" sz="2400" dirty="0"/>
+                <a:t> </a:t>
+              </a:r>
+              <a:r>
+                <a:rPr lang="en-US" sz="2400" dirty="0" err="1"/>
+                <a:t>Loza-Tavera</a:t>
+              </a:r>
+              <a:endParaRPr lang="en-US" sz="2400" dirty="0"/>
+            </a:p>
+          </p:txBody>
+        </p:sp>
+      </p:grpSp>
+      <p:grpSp>
+        <p:nvGrpSpPr>
+          <p:cNvPr id="27" name="Group 26"/>
+          <p:cNvGrpSpPr/>
+          <p:nvPr/>
+        </p:nvGrpSpPr>
+        <p:grpSpPr>
+          <a:xfrm>
+            <a:off x="801669" y="568500"/>
+            <a:ext cx="11410196" cy="6373748"/>
+            <a:chOff x="514437" y="360117"/>
+            <a:chExt cx="8557647" cy="4780310"/>
+          </a:xfrm>
+        </p:grpSpPr>
+        <p:grpSp>
+          <p:nvGrpSpPr>
+            <p:cNvPr id="22" name="Group 21"/>
+            <p:cNvGrpSpPr/>
+            <p:nvPr/>
+          </p:nvGrpSpPr>
+          <p:grpSpPr>
+            <a:xfrm>
+              <a:off x="514437" y="781632"/>
+              <a:ext cx="7779385" cy="4059255"/>
+              <a:chOff x="699555" y="1229727"/>
+              <a:chExt cx="8259301" cy="4882444"/>
+            </a:xfrm>
+          </p:grpSpPr>
+          <p:pic>
+            <p:nvPicPr>
+              <p:cNvPr id="23" name="Picture 22"/>
+              <p:cNvPicPr>
+                <a:picLocks noChangeAspect="1"/>
+              </p:cNvPicPr>
+              <p:nvPr/>
+            </p:nvPicPr>
+            <p:blipFill rotWithShape="1">
+              <a:blip r:embed="rId3" cstate="screen">
+                <a:extLst>
+                  <a:ext uri="{28A0092B-C50C-407E-A947-70E740481C1C}">
+                    <a14:useLocalDpi xmlns:a14="http://schemas.microsoft.com/office/drawing/2010/main"/>
+                  </a:ext>
+                </a:extLst>
+              </a:blip>
+              <a:srcRect/>
+              <a:stretch/>
+            </p:blipFill>
+            <p:spPr>
+              <a:xfrm>
+                <a:off x="699555" y="1229727"/>
+                <a:ext cx="8259301" cy="4882444"/>
+              </a:xfrm>
+              <a:prstGeom prst="rect">
+                <a:avLst/>
+              </a:prstGeom>
+            </p:spPr>
+          </p:pic>
+          <p:sp>
+            <p:nvSpPr>
+              <p:cNvPr id="24" name="Rectangle 23"/>
+              <p:cNvSpPr/>
+              <p:nvPr/>
+            </p:nvSpPr>
+            <p:spPr>
+              <a:xfrm>
+                <a:off x="5999240" y="1243196"/>
+                <a:ext cx="2945962" cy="561927"/>
+              </a:xfrm>
+              <a:prstGeom prst="rect">
+                <a:avLst/>
+              </a:prstGeom>
+              <a:solidFill>
+                <a:schemeClr val="bg1"/>
+              </a:solidFill>
+              <a:ln>
+                <a:solidFill>
+                  <a:schemeClr val="bg1"/>
+                </a:solidFill>
+              </a:ln>
+            </p:spPr>
+            <p:style>
+              <a:lnRef idx="1">
+                <a:schemeClr val="accent1"/>
+              </a:lnRef>
+              <a:fillRef idx="3">
+                <a:schemeClr val="accent1"/>
+              </a:fillRef>
+              <a:effectRef idx="2">
+                <a:schemeClr val="accent1"/>
+              </a:effectRef>
+              <a:fontRef idx="minor">
+                <a:schemeClr val="lt1"/>
+              </a:fontRef>
+            </p:style>
+            <p:txBody>
+              <a:bodyPr rtlCol="0" anchor="ctr"/>
+              <a:lstStyle/>
+              <a:p>
+                <a:pPr algn="ctr"/>
+                <a:endParaRPr lang="en-US" sz="2400"/>
+              </a:p>
+            </p:txBody>
+          </p:sp>
+        </p:grpSp>
+        <p:pic>
+          <p:nvPicPr>
+            <p:cNvPr id="25" name="Picture 24"/>
+            <p:cNvPicPr>
+              <a:picLocks noChangeAspect="1"/>
+            </p:cNvPicPr>
+            <p:nvPr/>
+          </p:nvPicPr>
+          <p:blipFill>
+            <a:blip r:embed="rId4" cstate="screen">
+              <a:extLst>
+                <a:ext uri="{28A0092B-C50C-407E-A947-70E740481C1C}">
+                  <a14:useLocalDpi xmlns:a14="http://schemas.microsoft.com/office/drawing/2010/main"/>
+                </a:ext>
+              </a:extLst>
+            </a:blip>
+            <a:stretch>
+              <a:fillRect/>
+            </a:stretch>
+          </p:blipFill>
+          <p:spPr>
+            <a:xfrm>
+              <a:off x="7545287" y="360117"/>
+              <a:ext cx="1485258" cy="1142952"/>
+            </a:xfrm>
+            <a:prstGeom prst="rect">
+              <a:avLst/>
+            </a:prstGeom>
+            <a:ln>
+              <a:solidFill>
+                <a:srgbClr val="000000"/>
+              </a:solidFill>
+            </a:ln>
+          </p:spPr>
+        </p:pic>
+        <p:sp>
+          <p:nvSpPr>
+            <p:cNvPr id="26" name="TextBox 25"/>
+            <p:cNvSpPr txBox="1"/>
+            <p:nvPr/>
+          </p:nvSpPr>
+          <p:spPr>
+            <a:xfrm>
+              <a:off x="5555424" y="4771108"/>
+              <a:ext cx="3516660" cy="369319"/>
+            </a:xfrm>
+            <a:prstGeom prst="rect">
+              <a:avLst/>
+            </a:prstGeom>
+            <a:noFill/>
+          </p:spPr>
+          <p:txBody>
+            <a:bodyPr wrap="none" lIns="121904" tIns="60952" rIns="121904" bIns="60952" rtlCol="0">
+              <a:spAutoFit/>
+            </a:bodyPr>
+            <a:lstStyle/>
+            <a:p>
+              <a:r>
+                <a:rPr lang="en-US" sz="2400" dirty="0"/>
+                <a:t>Stewart </a:t>
+              </a:r>
+              <a:r>
+                <a:rPr lang="en-US" sz="2400" i="1" dirty="0"/>
+                <a:t>et al</a:t>
+              </a:r>
+              <a:r>
+                <a:rPr lang="en-US" sz="2400" dirty="0"/>
+                <a:t>., Nature </a:t>
+              </a:r>
+              <a:r>
+                <a:rPr lang="en-US" sz="2400" dirty="0" err="1"/>
+                <a:t>Comms</a:t>
+              </a:r>
+              <a:r>
+                <a:rPr lang="en-US" sz="2400" dirty="0"/>
+                <a:t>, 2018</a:t>
+              </a:r>
+            </a:p>
+          </p:txBody>
+        </p:sp>
+      </p:grpSp>
+      <p:sp>
+        <p:nvSpPr>
+          <p:cNvPr id="28" name="TextBox 27"/>
+          <p:cNvSpPr txBox="1"/>
+          <p:nvPr/>
+        </p:nvSpPr>
+        <p:spPr>
+          <a:xfrm>
+            <a:off x="709007" y="123523"/>
+            <a:ext cx="9881379" cy="1107965"/>
+          </a:xfrm>
+          <a:prstGeom prst="rect">
+            <a:avLst/>
+          </a:prstGeom>
+          <a:noFill/>
+        </p:spPr>
+        <p:txBody>
+          <a:bodyPr wrap="square" lIns="121891" tIns="60945" rIns="121891" bIns="60945" rtlCol="0">
+            <a:spAutoFit/>
+          </a:bodyPr>
+          <a:lstStyle/>
+          <a:p>
+            <a:r>
+              <a:rPr lang="en-US" sz="3200" b="1" dirty="0">
+                <a:solidFill>
+                  <a:srgbClr val="1F4E79"/>
+                </a:solidFill>
+              </a:rPr>
+              <a:t>High numbers of high-quality, novel genomes directly from rumen samples</a:t>
+            </a:r>
+          </a:p>
+        </p:txBody>
+      </p:sp>
+    </p:spTree>
+    <p:extLst>
+      <p:ext uri="{BB962C8B-B14F-4D97-AF65-F5344CB8AC3E}">
+        <p14:creationId xmlns:p14="http://schemas.microsoft.com/office/powerpoint/2010/main" val="64584360"/>
+      </p:ext>
+    </p:extLst>
+  </p:cSld>
+  <p:clrMapOvr>
+    <a:masterClrMapping/>
+  </p:clrMapOvr>
+</p:sld>
+</file>
+
+<file path=ppt/slides/slide26.xml><?xml version="1.0" encoding="utf-8"?>
+<p:sld xmlns:a="http://schemas.openxmlformats.org/drawingml/2006/main" xmlns:r="http://schemas.openxmlformats.org/officeDocument/2006/relationships" xmlns:p="http://schemas.openxmlformats.org/presentationml/2006/main">
+  <p:cSld>
+    <p:spTree>
+      <p:nvGrpSpPr>
+        <p:cNvPr id="1" name=""/>
+        <p:cNvGrpSpPr/>
+        <p:nvPr/>
+      </p:nvGrpSpPr>
+      <p:grpSpPr>
+        <a:xfrm>
+          <a:off x="0" y="0"/>
+          <a:ext cx="0" cy="0"/>
+          <a:chOff x="0" y="0"/>
+          <a:chExt cx="0" cy="0"/>
+        </a:xfrm>
+      </p:grpSpPr>
+      <p:pic>
+        <p:nvPicPr>
+          <p:cNvPr id="4" name="Picture 3" descr="Screen Shot 2018-12-17 at 8.52.52 PM.png"/>
+          <p:cNvPicPr>
+            <a:picLocks noChangeAspect="1"/>
+          </p:cNvPicPr>
+          <p:nvPr/>
+        </p:nvPicPr>
+        <p:blipFill>
+          <a:blip r:embed="rId2" cstate="screen">
+            <a:extLst>
+              <a:ext uri="{28A0092B-C50C-407E-A947-70E740481C1C}">
+                <a14:useLocalDpi xmlns:a14="http://schemas.microsoft.com/office/drawing/2010/main"/>
+              </a:ext>
+            </a:extLst>
+          </a:blip>
+          <a:stretch>
+            <a:fillRect/>
+          </a:stretch>
+        </p:blipFill>
+        <p:spPr>
+          <a:xfrm>
+            <a:off x="722978" y="843836"/>
+            <a:ext cx="6694601" cy="2260768"/>
+          </a:xfrm>
+          <a:prstGeom prst="rect">
+            <a:avLst/>
+          </a:prstGeom>
+          <a:ln>
+            <a:solidFill>
+              <a:srgbClr val="7F7F7F"/>
+            </a:solidFill>
+          </a:ln>
+          <a:effectLst>
+            <a:outerShdw blurRad="50800" dist="38100" dir="2700000" algn="tl" rotWithShape="0">
+              <a:prstClr val="black">
+                <a:alpha val="40000"/>
+              </a:prstClr>
+            </a:outerShdw>
+          </a:effectLst>
+        </p:spPr>
+      </p:pic>
+      <p:sp>
+        <p:nvSpPr>
+          <p:cNvPr id="5" name="TextBox 4"/>
+          <p:cNvSpPr txBox="1"/>
+          <p:nvPr/>
+        </p:nvSpPr>
+        <p:spPr>
+          <a:xfrm>
+            <a:off x="771216" y="45180"/>
+            <a:ext cx="9660323" cy="697533"/>
+          </a:xfrm>
+          <a:prstGeom prst="rect">
+            <a:avLst/>
+          </a:prstGeom>
+          <a:noFill/>
+        </p:spPr>
+        <p:txBody>
+          <a:bodyPr wrap="square" lIns="121891" tIns="60945" rIns="121891" bIns="60945" rtlCol="0">
+            <a:spAutoFit/>
+          </a:bodyPr>
+          <a:lstStyle/>
+          <a:p>
+            <a:r>
+              <a:rPr lang="en-US" sz="3733" b="1" dirty="0">
+                <a:solidFill>
+                  <a:srgbClr val="1F4E79"/>
+                </a:solidFill>
+              </a:rPr>
+              <a:t>Connecting viruses with their hosts in rumen</a:t>
+            </a:r>
+          </a:p>
+        </p:txBody>
+      </p:sp>
+      <p:pic>
+        <p:nvPicPr>
+          <p:cNvPr id="6" name="Picture 5" descr="Screen Shot 2019-01-12 at 7.29.36 AM.png"/>
+          <p:cNvPicPr>
+            <a:picLocks noChangeAspect="1"/>
+          </p:cNvPicPr>
+          <p:nvPr/>
+        </p:nvPicPr>
+        <p:blipFill>
+          <a:blip r:embed="rId3" cstate="screen">
+            <a:extLst>
+              <a:ext uri="{28A0092B-C50C-407E-A947-70E740481C1C}">
+                <a14:useLocalDpi xmlns:a14="http://schemas.microsoft.com/office/drawing/2010/main"/>
+              </a:ext>
+            </a:extLst>
+          </a:blip>
+          <a:stretch>
+            <a:fillRect/>
+          </a:stretch>
+        </p:blipFill>
+        <p:spPr>
+          <a:xfrm>
+            <a:off x="3375172" y="2738613"/>
+            <a:ext cx="7721721" cy="3592811"/>
+          </a:xfrm>
+          <a:prstGeom prst="rect">
+            <a:avLst/>
+          </a:prstGeom>
+          <a:ln>
+            <a:solidFill>
+              <a:schemeClr val="bg1">
+                <a:lumMod val="50000"/>
+              </a:schemeClr>
+            </a:solidFill>
+          </a:ln>
+          <a:effectLst>
+            <a:outerShdw blurRad="50800" dist="38100" dir="2700000" algn="tl" rotWithShape="0">
+              <a:prstClr val="black">
+                <a:alpha val="40000"/>
+              </a:prstClr>
+            </a:outerShdw>
+          </a:effectLst>
+        </p:spPr>
+      </p:pic>
+      <p:sp>
+        <p:nvSpPr>
+          <p:cNvPr id="7" name="TextBox 6"/>
+          <p:cNvSpPr txBox="1"/>
+          <p:nvPr/>
+        </p:nvSpPr>
+        <p:spPr>
+          <a:xfrm>
+            <a:off x="8814447" y="6435391"/>
+            <a:ext cx="4324143" cy="492416"/>
+          </a:xfrm>
+          <a:prstGeom prst="rect">
+            <a:avLst/>
+          </a:prstGeom>
+          <a:noFill/>
+        </p:spPr>
+        <p:txBody>
+          <a:bodyPr wrap="none" lIns="121893" tIns="60947" rIns="121893" bIns="60947" rtlCol="0">
+            <a:spAutoFit/>
+          </a:bodyPr>
+          <a:lstStyle/>
+          <a:p>
+            <a:r>
+              <a:rPr lang="en-US" sz="2400" dirty="0" err="1"/>
+              <a:t>Bickhart</a:t>
+            </a:r>
+            <a:r>
+              <a:rPr lang="en-US" sz="2400" dirty="0"/>
+              <a:t> </a:t>
+            </a:r>
+            <a:r>
+              <a:rPr lang="en-US" sz="2400" i="1" dirty="0"/>
+              <a:t>et al</a:t>
+            </a:r>
+            <a:r>
+              <a:rPr lang="en-US" sz="2400" dirty="0"/>
+              <a:t>., </a:t>
+            </a:r>
+            <a:r>
+              <a:rPr lang="en-US" sz="2400" i="1" dirty="0" err="1"/>
+              <a:t>BioRxiv</a:t>
+            </a:r>
+            <a:r>
+              <a:rPr lang="en-US" sz="2400" dirty="0"/>
+              <a:t>, Dec 2018</a:t>
+            </a:r>
+          </a:p>
+        </p:txBody>
+      </p:sp>
+    </p:spTree>
+    <p:extLst>
+      <p:ext uri="{BB962C8B-B14F-4D97-AF65-F5344CB8AC3E}">
+        <p14:creationId xmlns:p14="http://schemas.microsoft.com/office/powerpoint/2010/main" val="1904617612"/>
       </p:ext>
     </p:extLst>
   </p:cSld>
